--- a/InfoSec/PPTs/CH10-Buffer Overflow.pptx
+++ b/InfoSec/PPTs/CH10-Buffer Overflow.pptx
@@ -5,7 +5,7 @@
     <p:sldMasterId id="2147483674" r:id="rId1"/>
   </p:sldMasterIdLst>
   <p:notesMasterIdLst>
-    <p:notesMasterId r:id="rId27"/>
+    <p:notesMasterId r:id="rId30"/>
   </p:notesMasterIdLst>
   <p:sldIdLst>
     <p:sldId id="412" r:id="rId2"/>
@@ -33,6 +33,9 @@
     <p:sldId id="392" r:id="rId24"/>
     <p:sldId id="416" r:id="rId25"/>
     <p:sldId id="413" r:id="rId26"/>
+    <p:sldId id="434" r:id="rId27"/>
+    <p:sldId id="435" r:id="rId28"/>
+    <p:sldId id="436" r:id="rId29"/>
   </p:sldIdLst>
   <p:sldSz cx="9144000" cy="6858000" type="screen4x3"/>
   <p:notesSz cx="6858000" cy="9144000"/>
@@ -22035,6 +22038,95 @@
 </p:notes>
 </file>
 
+<file path=ppt/notesSlides/notesSlide23.xml><?xml version="1.0" encoding="utf-8"?>
+<p:notes xmlns:a="http://schemas.openxmlformats.org/drawingml/2006/main" xmlns:r="http://schemas.openxmlformats.org/officeDocument/2006/relationships" xmlns:p="http://schemas.openxmlformats.org/presentationml/2006/main">
+  <p:cSld>
+    <p:spTree>
+      <p:nvGrpSpPr>
+        <p:cNvPr id="1" name=""/>
+        <p:cNvGrpSpPr/>
+        <p:nvPr/>
+      </p:nvGrpSpPr>
+      <p:grpSpPr>
+        <a:xfrm>
+          <a:off x="0" y="0"/>
+          <a:ext cx="0" cy="0"/>
+          <a:chOff x="0" y="0"/>
+          <a:chExt cx="0" cy="0"/>
+        </a:xfrm>
+      </p:grpSpPr>
+      <p:sp>
+        <p:nvSpPr>
+          <p:cNvPr id="2" name="Slide Image Placeholder 1"/>
+          <p:cNvSpPr>
+            <a:spLocks noGrp="1" noRot="1" noChangeAspect="1"/>
+          </p:cNvSpPr>
+          <p:nvPr>
+            <p:ph type="sldImg"/>
+          </p:nvPr>
+        </p:nvSpPr>
+        <p:spPr/>
+      </p:sp>
+      <p:sp>
+        <p:nvSpPr>
+          <p:cNvPr id="3" name="Notes Placeholder 2"/>
+          <p:cNvSpPr>
+            <a:spLocks noGrp="1"/>
+          </p:cNvSpPr>
+          <p:nvPr>
+            <p:ph type="body" idx="1"/>
+          </p:nvPr>
+        </p:nvSpPr>
+        <p:spPr/>
+        <p:txBody>
+          <a:bodyPr/>
+          <a:lstStyle/>
+          <a:p>
+            <a:r>
+              <a:rPr lang="en-US" sz="1200" dirty="0"/>
+              <a:t>Stack grows downwards</a:t>
+            </a:r>
+            <a:endParaRPr lang="en-SE" dirty="0"/>
+          </a:p>
+        </p:txBody>
+      </p:sp>
+      <p:sp>
+        <p:nvSpPr>
+          <p:cNvPr id="4" name="Slide Number Placeholder 3"/>
+          <p:cNvSpPr>
+            <a:spLocks noGrp="1"/>
+          </p:cNvSpPr>
+          <p:nvPr>
+            <p:ph type="sldNum" sz="quarter" idx="5"/>
+          </p:nvPr>
+        </p:nvSpPr>
+        <p:spPr/>
+        <p:txBody>
+          <a:bodyPr/>
+          <a:lstStyle/>
+          <a:p>
+            <a:fld id="{F8560DBF-F109-8946-ADF0-EE66B221E988}" type="slidenum">
+              <a:rPr lang="en-AU" smtClean="0"/>
+              <a:pPr/>
+              <a:t>26</a:t>
+            </a:fld>
+            <a:endParaRPr lang="en-AU" dirty="0"/>
+          </a:p>
+        </p:txBody>
+      </p:sp>
+    </p:spTree>
+    <p:extLst>
+      <p:ext uri="{BB962C8B-B14F-4D97-AF65-F5344CB8AC3E}">
+        <p14:creationId xmlns:p14="http://schemas.microsoft.com/office/powerpoint/2010/main" val="1861166900"/>
+      </p:ext>
+    </p:extLst>
+  </p:cSld>
+  <p:clrMapOvr>
+    <a:masterClrMapping/>
+  </p:clrMapOvr>
+</p:notes>
+</file>
+
 <file path=ppt/notesSlides/notesSlide3.xml><?xml version="1.0" encoding="utf-8"?>
 <p:notes xmlns:a="http://schemas.openxmlformats.org/drawingml/2006/main" xmlns:r="http://schemas.openxmlformats.org/officeDocument/2006/relationships" xmlns:p="http://schemas.openxmlformats.org/presentationml/2006/main">
   <p:cSld>
@@ -31942,6 +32034,3051 @@
     <p:extLst>
       <p:ext uri="{BB962C8B-B14F-4D97-AF65-F5344CB8AC3E}">
         <p14:creationId xmlns:p14="http://schemas.microsoft.com/office/powerpoint/2010/main" val="1297005797"/>
+      </p:ext>
+    </p:extLst>
+  </p:cSld>
+  <p:clrMapOvr>
+    <a:masterClrMapping/>
+  </p:clrMapOvr>
+  <p:transition spd="slow"/>
+</p:sld>
+</file>
+
+<file path=ppt/slides/slide26.xml><?xml version="1.0" encoding="utf-8"?>
+<p:sld xmlns:a="http://schemas.openxmlformats.org/drawingml/2006/main" xmlns:r="http://schemas.openxmlformats.org/officeDocument/2006/relationships" xmlns:p="http://schemas.openxmlformats.org/presentationml/2006/main">
+  <p:cSld>
+    <p:spTree>
+      <p:nvGrpSpPr>
+        <p:cNvPr id="1" name=""/>
+        <p:cNvGrpSpPr/>
+        <p:nvPr/>
+      </p:nvGrpSpPr>
+      <p:grpSpPr>
+        <a:xfrm>
+          <a:off x="0" y="0"/>
+          <a:ext cx="0" cy="0"/>
+          <a:chOff x="0" y="0"/>
+          <a:chExt cx="0" cy="0"/>
+        </a:xfrm>
+      </p:grpSpPr>
+      <p:grpSp>
+        <p:nvGrpSpPr>
+          <p:cNvPr id="21" name="Group 20">
+            <a:extLst>
+              <a:ext uri="{FF2B5EF4-FFF2-40B4-BE49-F238E27FC236}">
+                <a16:creationId xmlns:a16="http://schemas.microsoft.com/office/drawing/2014/main" id="{EFAEBFE9-CDDE-4691-8923-C17959B779BA}"/>
+              </a:ext>
+            </a:extLst>
+          </p:cNvPr>
+          <p:cNvGrpSpPr/>
+          <p:nvPr/>
+        </p:nvGrpSpPr>
+        <p:grpSpPr>
+          <a:xfrm>
+            <a:off x="4244945" y="1034349"/>
+            <a:ext cx="4935567" cy="5125896"/>
+            <a:chOff x="4139952" y="1417550"/>
+            <a:chExt cx="4935567" cy="5125896"/>
+          </a:xfrm>
+        </p:grpSpPr>
+        <p:pic>
+          <p:nvPicPr>
+            <p:cNvPr id="5" name="Shape 102">
+              <a:extLst>
+                <a:ext uri="{FF2B5EF4-FFF2-40B4-BE49-F238E27FC236}">
+                  <a16:creationId xmlns:a16="http://schemas.microsoft.com/office/drawing/2014/main" id="{5EEBFE6E-6827-44A2-958F-E755C36B6773}"/>
+                </a:ext>
+              </a:extLst>
+            </p:cNvPr>
+            <p:cNvPicPr preferRelativeResize="0"/>
+            <p:nvPr/>
+          </p:nvPicPr>
+          <p:blipFill rotWithShape="1">
+            <a:blip r:embed="rId3">
+              <a:alphaModFix/>
+            </a:blip>
+            <a:srcRect l="40617"/>
+            <a:stretch/>
+          </p:blipFill>
+          <p:spPr>
+            <a:xfrm>
+              <a:off x="4139952" y="1417550"/>
+              <a:ext cx="3168352" cy="5125896"/>
+            </a:xfrm>
+            <a:prstGeom prst="rect">
+              <a:avLst/>
+            </a:prstGeom>
+            <a:noFill/>
+            <a:ln>
+              <a:noFill/>
+            </a:ln>
+          </p:spPr>
+        </p:pic>
+        <p:sp>
+          <p:nvSpPr>
+            <p:cNvPr id="9" name="TextBox 8">
+              <a:extLst>
+                <a:ext uri="{FF2B5EF4-FFF2-40B4-BE49-F238E27FC236}">
+                  <a16:creationId xmlns:a16="http://schemas.microsoft.com/office/drawing/2014/main" id="{99C3C138-8CD3-4248-9C28-7C5E217659E8}"/>
+                </a:ext>
+              </a:extLst>
+            </p:cNvPr>
+            <p:cNvSpPr txBox="1"/>
+            <p:nvPr/>
+          </p:nvSpPr>
+          <p:spPr>
+            <a:xfrm>
+              <a:off x="5704712" y="1573978"/>
+              <a:ext cx="1451038" cy="461665"/>
+            </a:xfrm>
+            <a:prstGeom prst="rect">
+              <a:avLst/>
+            </a:prstGeom>
+            <a:noFill/>
+          </p:spPr>
+          <p:txBody>
+            <a:bodyPr wrap="none" rtlCol="0">
+              <a:spAutoFit/>
+            </a:bodyPr>
+            <a:lstStyle/>
+            <a:p>
+              <a:r>
+                <a:rPr lang="en-US" sz="2400" dirty="0" err="1"/>
+                <a:t>argc</a:t>
+              </a:r>
+              <a:r>
+                <a:rPr lang="en-US" sz="2400" dirty="0"/>
+                <a:t> (4B)</a:t>
+              </a:r>
+              <a:endParaRPr lang="en-SE" sz="2400" dirty="0"/>
+            </a:p>
+          </p:txBody>
+        </p:sp>
+        <p:sp>
+          <p:nvSpPr>
+            <p:cNvPr id="11" name="TextBox 10">
+              <a:extLst>
+                <a:ext uri="{FF2B5EF4-FFF2-40B4-BE49-F238E27FC236}">
+                  <a16:creationId xmlns:a16="http://schemas.microsoft.com/office/drawing/2014/main" id="{4656D80F-3946-4967-B87D-9B3BD8EF6FCB}"/>
+                </a:ext>
+              </a:extLst>
+            </p:cNvPr>
+            <p:cNvSpPr txBox="1"/>
+            <p:nvPr/>
+          </p:nvSpPr>
+          <p:spPr>
+            <a:xfrm>
+              <a:off x="5704712" y="2054041"/>
+              <a:ext cx="1451038" cy="461665"/>
+            </a:xfrm>
+            <a:prstGeom prst="rect">
+              <a:avLst/>
+            </a:prstGeom>
+            <a:noFill/>
+          </p:spPr>
+          <p:txBody>
+            <a:bodyPr wrap="none" rtlCol="0">
+              <a:spAutoFit/>
+            </a:bodyPr>
+            <a:lstStyle/>
+            <a:p>
+              <a:r>
+                <a:rPr lang="en-US" sz="2400" dirty="0" err="1"/>
+                <a:t>argv</a:t>
+              </a:r>
+              <a:r>
+                <a:rPr lang="en-US" sz="2400" dirty="0"/>
+                <a:t> (4B)</a:t>
+              </a:r>
+              <a:endParaRPr lang="en-SE" sz="2400" dirty="0"/>
+            </a:p>
+          </p:txBody>
+        </p:sp>
+        <p:sp>
+          <p:nvSpPr>
+            <p:cNvPr id="12" name="TextBox 11">
+              <a:extLst>
+                <a:ext uri="{FF2B5EF4-FFF2-40B4-BE49-F238E27FC236}">
+                  <a16:creationId xmlns:a16="http://schemas.microsoft.com/office/drawing/2014/main" id="{38E2DA25-119B-4E74-9CC8-78EA5994A5AC}"/>
+                </a:ext>
+              </a:extLst>
+            </p:cNvPr>
+            <p:cNvSpPr txBox="1"/>
+            <p:nvPr/>
+          </p:nvSpPr>
+          <p:spPr>
+            <a:xfrm>
+              <a:off x="4318114" y="2500719"/>
+              <a:ext cx="2837636" cy="461665"/>
+            </a:xfrm>
+            <a:prstGeom prst="rect">
+              <a:avLst/>
+            </a:prstGeom>
+            <a:noFill/>
+          </p:spPr>
+          <p:txBody>
+            <a:bodyPr wrap="none" rtlCol="0">
+              <a:spAutoFit/>
+            </a:bodyPr>
+            <a:lstStyle/>
+            <a:p>
+              <a:r>
+                <a:rPr lang="en-US" sz="2400" dirty="0"/>
+                <a:t>return address (4B)</a:t>
+              </a:r>
+              <a:endParaRPr lang="en-SE" sz="2400" dirty="0"/>
+            </a:p>
+          </p:txBody>
+        </p:sp>
+        <p:sp>
+          <p:nvSpPr>
+            <p:cNvPr id="13" name="TextBox 12">
+              <a:extLst>
+                <a:ext uri="{FF2B5EF4-FFF2-40B4-BE49-F238E27FC236}">
+                  <a16:creationId xmlns:a16="http://schemas.microsoft.com/office/drawing/2014/main" id="{83C026CF-8C4D-4618-AD63-3694BA0096B2}"/>
+                </a:ext>
+              </a:extLst>
+            </p:cNvPr>
+            <p:cNvSpPr txBox="1"/>
+            <p:nvPr/>
+          </p:nvSpPr>
+          <p:spPr>
+            <a:xfrm>
+              <a:off x="4776573" y="2954562"/>
+              <a:ext cx="2379177" cy="461665"/>
+            </a:xfrm>
+            <a:prstGeom prst="rect">
+              <a:avLst/>
+            </a:prstGeom>
+            <a:noFill/>
+          </p:spPr>
+          <p:txBody>
+            <a:bodyPr wrap="none" rtlCol="0">
+              <a:spAutoFit/>
+            </a:bodyPr>
+            <a:lstStyle/>
+            <a:p>
+              <a:r>
+                <a:rPr lang="en-US" sz="2400" dirty="0" err="1"/>
+                <a:t>allow_login</a:t>
+              </a:r>
+              <a:r>
+                <a:rPr lang="en-US" sz="2400" dirty="0"/>
+                <a:t> (4B)</a:t>
+              </a:r>
+              <a:endParaRPr lang="en-SE" sz="2400" dirty="0"/>
+            </a:p>
+          </p:txBody>
+        </p:sp>
+        <p:sp>
+          <p:nvSpPr>
+            <p:cNvPr id="17" name="TextBox 16">
+              <a:extLst>
+                <a:ext uri="{FF2B5EF4-FFF2-40B4-BE49-F238E27FC236}">
+                  <a16:creationId xmlns:a16="http://schemas.microsoft.com/office/drawing/2014/main" id="{F9AB1166-22B4-4520-947F-67DEBAD73E9A}"/>
+                </a:ext>
+              </a:extLst>
+            </p:cNvPr>
+            <p:cNvSpPr txBox="1"/>
+            <p:nvPr/>
+          </p:nvSpPr>
+          <p:spPr>
+            <a:xfrm>
+              <a:off x="7639279" y="3650928"/>
+              <a:ext cx="1091966" cy="830997"/>
+            </a:xfrm>
+            <a:prstGeom prst="rect">
+              <a:avLst/>
+            </a:prstGeom>
+            <a:noFill/>
+          </p:spPr>
+          <p:txBody>
+            <a:bodyPr wrap="none" rtlCol="0">
+              <a:spAutoFit/>
+            </a:bodyPr>
+            <a:lstStyle/>
+            <a:p>
+              <a:r>
+                <a:rPr lang="en-US" sz="2400" dirty="0" err="1"/>
+                <a:t>pwdstr</a:t>
+              </a:r>
+              <a:endParaRPr lang="en-US" sz="2400" dirty="0"/>
+            </a:p>
+            <a:p>
+              <a:r>
+                <a:rPr lang="en-US" sz="2400" dirty="0"/>
+                <a:t>(12B)</a:t>
+              </a:r>
+              <a:endParaRPr lang="en-SE" sz="2400" dirty="0"/>
+            </a:p>
+          </p:txBody>
+        </p:sp>
+        <p:sp>
+          <p:nvSpPr>
+            <p:cNvPr id="18" name="TextBox 17">
+              <a:extLst>
+                <a:ext uri="{FF2B5EF4-FFF2-40B4-BE49-F238E27FC236}">
+                  <a16:creationId xmlns:a16="http://schemas.microsoft.com/office/drawing/2014/main" id="{4276A255-AB3C-4CD4-B5C6-A8313E146D37}"/>
+                </a:ext>
+              </a:extLst>
+            </p:cNvPr>
+            <p:cNvSpPr txBox="1"/>
+            <p:nvPr/>
+          </p:nvSpPr>
+          <p:spPr>
+            <a:xfrm>
+              <a:off x="7537919" y="5124863"/>
+              <a:ext cx="1537600" cy="830997"/>
+            </a:xfrm>
+            <a:prstGeom prst="rect">
+              <a:avLst/>
+            </a:prstGeom>
+            <a:noFill/>
+          </p:spPr>
+          <p:txBody>
+            <a:bodyPr wrap="none" rtlCol="0">
+              <a:spAutoFit/>
+            </a:bodyPr>
+            <a:lstStyle/>
+            <a:p>
+              <a:r>
+                <a:rPr lang="en-US" sz="2400" dirty="0" err="1"/>
+                <a:t>targetpwd</a:t>
+              </a:r>
+              <a:endParaRPr lang="en-US" sz="2400" dirty="0"/>
+            </a:p>
+            <a:p>
+              <a:r>
+                <a:rPr lang="en-US" sz="2400" dirty="0"/>
+                <a:t>(12B)</a:t>
+              </a:r>
+              <a:endParaRPr lang="en-SE" sz="2400" dirty="0"/>
+            </a:p>
+          </p:txBody>
+        </p:sp>
+        <p:sp>
+          <p:nvSpPr>
+            <p:cNvPr id="19" name="Right Brace 18">
+              <a:extLst>
+                <a:ext uri="{FF2B5EF4-FFF2-40B4-BE49-F238E27FC236}">
+                  <a16:creationId xmlns:a16="http://schemas.microsoft.com/office/drawing/2014/main" id="{251F4DC9-5669-418A-AE5A-8BF68F500CD0}"/>
+                </a:ext>
+              </a:extLst>
+            </p:cNvPr>
+            <p:cNvSpPr/>
+            <p:nvPr/>
+          </p:nvSpPr>
+          <p:spPr bwMode="auto">
+            <a:xfrm>
+              <a:off x="7223820" y="3468894"/>
+              <a:ext cx="432048" cy="1411494"/>
+            </a:xfrm>
+            <a:prstGeom prst="rightBrace">
+              <a:avLst/>
+            </a:prstGeom>
+            <a:noFill/>
+            <a:ln w="25400" cap="flat" cmpd="sng" algn="ctr">
+              <a:solidFill>
+                <a:schemeClr val="tx1"/>
+              </a:solidFill>
+              <a:prstDash val="solid"/>
+              <a:round/>
+              <a:headEnd type="none" w="med" len="med"/>
+              <a:tailEnd type="none" w="med" len="med"/>
+            </a:ln>
+            <a:effectLst/>
+          </p:spPr>
+          <p:txBody>
+            <a:bodyPr vert="horz" wrap="square" lIns="91440" tIns="45720" rIns="91440" bIns="45720" numCol="1" rtlCol="0" anchor="t" anchorCtr="0" compatLnSpc="1">
+              <a:prstTxWarp prst="textNoShape">
+                <a:avLst/>
+              </a:prstTxWarp>
+            </a:bodyPr>
+            <a:lstStyle/>
+            <a:p>
+              <a:pPr marL="0" marR="0" indent="0" algn="l" defTabSz="914400" rtl="0" eaLnBrk="1" fontAlgn="base" latinLnBrk="0" hangingPunct="1">
+                <a:lnSpc>
+                  <a:spcPct val="100000"/>
+                </a:lnSpc>
+                <a:spcBef>
+                  <a:spcPct val="0"/>
+                </a:spcBef>
+                <a:spcAft>
+                  <a:spcPct val="0"/>
+                </a:spcAft>
+                <a:buClrTx/>
+                <a:buSzTx/>
+                <a:buFontTx/>
+                <a:buNone/>
+                <a:tabLst/>
+              </a:pPr>
+              <a:endParaRPr kumimoji="0" lang="en-SE" sz="1800" b="0" i="0" u="none" strike="noStrike" cap="none" normalizeH="0" baseline="0">
+                <a:ln>
+                  <a:noFill/>
+                </a:ln>
+                <a:solidFill>
+                  <a:schemeClr val="tx1"/>
+                </a:solidFill>
+                <a:effectLst/>
+                <a:latin typeface="Arial" charset="0"/>
+              </a:endParaRPr>
+            </a:p>
+          </p:txBody>
+        </p:sp>
+        <p:sp>
+          <p:nvSpPr>
+            <p:cNvPr id="20" name="Right Brace 19">
+              <a:extLst>
+                <a:ext uri="{FF2B5EF4-FFF2-40B4-BE49-F238E27FC236}">
+                  <a16:creationId xmlns:a16="http://schemas.microsoft.com/office/drawing/2014/main" id="{6BB328D3-1876-4A7C-B7E9-F7893DB5C272}"/>
+                </a:ext>
+              </a:extLst>
+            </p:cNvPr>
+            <p:cNvSpPr/>
+            <p:nvPr/>
+          </p:nvSpPr>
+          <p:spPr bwMode="auto">
+            <a:xfrm>
+              <a:off x="7223820" y="4887477"/>
+              <a:ext cx="432048" cy="1411494"/>
+            </a:xfrm>
+            <a:prstGeom prst="rightBrace">
+              <a:avLst/>
+            </a:prstGeom>
+            <a:noFill/>
+            <a:ln w="25400" cap="flat" cmpd="sng" algn="ctr">
+              <a:solidFill>
+                <a:schemeClr val="tx1"/>
+              </a:solidFill>
+              <a:prstDash val="solid"/>
+              <a:round/>
+              <a:headEnd type="none" w="med" len="med"/>
+              <a:tailEnd type="none" w="med" len="med"/>
+            </a:ln>
+            <a:effectLst/>
+          </p:spPr>
+          <p:txBody>
+            <a:bodyPr vert="horz" wrap="square" lIns="91440" tIns="45720" rIns="91440" bIns="45720" numCol="1" rtlCol="0" anchor="t" anchorCtr="0" compatLnSpc="1">
+              <a:prstTxWarp prst="textNoShape">
+                <a:avLst/>
+              </a:prstTxWarp>
+            </a:bodyPr>
+            <a:lstStyle/>
+            <a:p>
+              <a:pPr marL="0" marR="0" indent="0" algn="l" defTabSz="914400" rtl="0" eaLnBrk="1" fontAlgn="base" latinLnBrk="0" hangingPunct="1">
+                <a:lnSpc>
+                  <a:spcPct val="100000"/>
+                </a:lnSpc>
+                <a:spcBef>
+                  <a:spcPct val="0"/>
+                </a:spcBef>
+                <a:spcAft>
+                  <a:spcPct val="0"/>
+                </a:spcAft>
+                <a:buClrTx/>
+                <a:buSzTx/>
+                <a:buFontTx/>
+                <a:buNone/>
+                <a:tabLst/>
+              </a:pPr>
+              <a:endParaRPr kumimoji="0" lang="en-SE" sz="1800" b="0" i="0" u="none" strike="noStrike" cap="none" normalizeH="0" baseline="0">
+                <a:ln>
+                  <a:noFill/>
+                </a:ln>
+                <a:solidFill>
+                  <a:schemeClr val="tx1"/>
+                </a:solidFill>
+                <a:effectLst/>
+                <a:latin typeface="Arial" charset="0"/>
+              </a:endParaRPr>
+            </a:p>
+          </p:txBody>
+        </p:sp>
+      </p:grpSp>
+      <p:sp>
+        <p:nvSpPr>
+          <p:cNvPr id="22" name="Content Placeholder 2">
+            <a:extLst>
+              <a:ext uri="{FF2B5EF4-FFF2-40B4-BE49-F238E27FC236}">
+                <a16:creationId xmlns:a16="http://schemas.microsoft.com/office/drawing/2014/main" id="{B37FAE48-C84F-4403-AE26-5C81AABCC8D3}"/>
+              </a:ext>
+            </a:extLst>
+          </p:cNvPr>
+          <p:cNvSpPr>
+            <a:spLocks noGrp="1"/>
+          </p:cNvSpPr>
+          <p:nvPr>
+            <p:ph idx="1"/>
+          </p:nvPr>
+        </p:nvSpPr>
+        <p:spPr>
+          <a:xfrm>
+            <a:off x="176860" y="535618"/>
+            <a:ext cx="4068085" cy="3203891"/>
+          </a:xfrm>
+          <a:noFill/>
+          <a:ln>
+            <a:solidFill>
+              <a:schemeClr val="tx1"/>
+            </a:solidFill>
+          </a:ln>
+        </p:spPr>
+        <p:txBody>
+          <a:bodyPr>
+            <a:normAutofit fontScale="55000" lnSpcReduction="20000"/>
+          </a:bodyPr>
+          <a:lstStyle/>
+          <a:p>
+            <a:pPr marL="0" indent="0">
+              <a:buNone/>
+            </a:pPr>
+            <a:r>
+              <a:rPr lang="en-US" dirty="0">
+                <a:latin typeface="Courier New" panose="02070309020205020404" pitchFamily="49" charset="0"/>
+                <a:cs typeface="Courier New" panose="02070309020205020404" pitchFamily="49" charset="0"/>
+              </a:rPr>
+              <a:t>int main(int </a:t>
+            </a:r>
+            <a:r>
+              <a:rPr lang="en-US" dirty="0" err="1">
+                <a:latin typeface="Courier New" panose="02070309020205020404" pitchFamily="49" charset="0"/>
+                <a:cs typeface="Courier New" panose="02070309020205020404" pitchFamily="49" charset="0"/>
+              </a:rPr>
+              <a:t>argc</a:t>
+            </a:r>
+            <a:r>
+              <a:rPr lang="en-US" dirty="0">
+                <a:latin typeface="Courier New" panose="02070309020205020404" pitchFamily="49" charset="0"/>
+                <a:cs typeface="Courier New" panose="02070309020205020404" pitchFamily="49" charset="0"/>
+              </a:rPr>
+              <a:t>, char *</a:t>
+            </a:r>
+            <a:r>
+              <a:rPr lang="en-US" dirty="0" err="1">
+                <a:latin typeface="Courier New" panose="02070309020205020404" pitchFamily="49" charset="0"/>
+                <a:cs typeface="Courier New" panose="02070309020205020404" pitchFamily="49" charset="0"/>
+              </a:rPr>
+              <a:t>argv</a:t>
+            </a:r>
+            <a:r>
+              <a:rPr lang="en-US" dirty="0">
+                <a:latin typeface="Courier New" panose="02070309020205020404" pitchFamily="49" charset="0"/>
+                <a:cs typeface="Courier New" panose="02070309020205020404" pitchFamily="49" charset="0"/>
+              </a:rPr>
+              <a:t>[]) {</a:t>
+            </a:r>
+          </a:p>
+          <a:p>
+            <a:pPr marL="0" indent="0">
+              <a:buNone/>
+            </a:pPr>
+            <a:r>
+              <a:rPr lang="en-US" dirty="0">
+                <a:latin typeface="Courier New" panose="02070309020205020404" pitchFamily="49" charset="0"/>
+                <a:cs typeface="Courier New" panose="02070309020205020404" pitchFamily="49" charset="0"/>
+              </a:rPr>
+              <a:t>   int </a:t>
+            </a:r>
+            <a:r>
+              <a:rPr lang="en-US" dirty="0" err="1">
+                <a:latin typeface="Courier New" panose="02070309020205020404" pitchFamily="49" charset="0"/>
+                <a:cs typeface="Courier New" panose="02070309020205020404" pitchFamily="49" charset="0"/>
+              </a:rPr>
+              <a:t>allow_login</a:t>
+            </a:r>
+            <a:r>
+              <a:rPr lang="en-US" dirty="0">
+                <a:latin typeface="Courier New" panose="02070309020205020404" pitchFamily="49" charset="0"/>
+                <a:cs typeface="Courier New" panose="02070309020205020404" pitchFamily="49" charset="0"/>
+              </a:rPr>
+              <a:t> = 0;</a:t>
+            </a:r>
+          </a:p>
+          <a:p>
+            <a:pPr marL="0" indent="0">
+              <a:buNone/>
+            </a:pPr>
+            <a:r>
+              <a:rPr lang="en-US" dirty="0">
+                <a:latin typeface="Courier New" panose="02070309020205020404" pitchFamily="49" charset="0"/>
+                <a:cs typeface="Courier New" panose="02070309020205020404" pitchFamily="49" charset="0"/>
+              </a:rPr>
+              <a:t>   char </a:t>
+            </a:r>
+            <a:r>
+              <a:rPr lang="en-US" dirty="0" err="1">
+                <a:latin typeface="Courier New" panose="02070309020205020404" pitchFamily="49" charset="0"/>
+                <a:cs typeface="Courier New" panose="02070309020205020404" pitchFamily="49" charset="0"/>
+              </a:rPr>
+              <a:t>pwdstr</a:t>
+            </a:r>
+            <a:r>
+              <a:rPr lang="en-US" dirty="0">
+                <a:latin typeface="Courier New" panose="02070309020205020404" pitchFamily="49" charset="0"/>
+                <a:cs typeface="Courier New" panose="02070309020205020404" pitchFamily="49" charset="0"/>
+              </a:rPr>
+              <a:t>[12];</a:t>
+            </a:r>
+          </a:p>
+          <a:p>
+            <a:pPr marL="0" indent="0">
+              <a:buNone/>
+            </a:pPr>
+            <a:r>
+              <a:rPr lang="en-US" dirty="0">
+                <a:latin typeface="Courier New" panose="02070309020205020404" pitchFamily="49" charset="0"/>
+                <a:cs typeface="Courier New" panose="02070309020205020404" pitchFamily="49" charset="0"/>
+              </a:rPr>
+              <a:t>   char </a:t>
+            </a:r>
+            <a:r>
+              <a:rPr lang="en-US" dirty="0" err="1">
+                <a:latin typeface="Courier New" panose="02070309020205020404" pitchFamily="49" charset="0"/>
+                <a:cs typeface="Courier New" panose="02070309020205020404" pitchFamily="49" charset="0"/>
+              </a:rPr>
+              <a:t>targetpwd</a:t>
+            </a:r>
+            <a:r>
+              <a:rPr lang="en-US" dirty="0">
+                <a:latin typeface="Courier New" panose="02070309020205020404" pitchFamily="49" charset="0"/>
+                <a:cs typeface="Courier New" panose="02070309020205020404" pitchFamily="49" charset="0"/>
+              </a:rPr>
+              <a:t>[12] = "MyPwd123";</a:t>
+            </a:r>
+          </a:p>
+          <a:p>
+            <a:pPr marL="0" indent="0">
+              <a:buNone/>
+            </a:pPr>
+            <a:r>
+              <a:rPr lang="en-US" dirty="0">
+                <a:latin typeface="Courier New" panose="02070309020205020404" pitchFamily="49" charset="0"/>
+                <a:cs typeface="Courier New" panose="02070309020205020404" pitchFamily="49" charset="0"/>
+              </a:rPr>
+              <a:t>   gets(</a:t>
+            </a:r>
+            <a:r>
+              <a:rPr lang="en-US" dirty="0" err="1">
+                <a:latin typeface="Courier New" panose="02070309020205020404" pitchFamily="49" charset="0"/>
+                <a:cs typeface="Courier New" panose="02070309020205020404" pitchFamily="49" charset="0"/>
+              </a:rPr>
+              <a:t>pwdstr</a:t>
+            </a:r>
+            <a:r>
+              <a:rPr lang="en-US" dirty="0">
+                <a:latin typeface="Courier New" panose="02070309020205020404" pitchFamily="49" charset="0"/>
+                <a:cs typeface="Courier New" panose="02070309020205020404" pitchFamily="49" charset="0"/>
+              </a:rPr>
+              <a:t>);</a:t>
+            </a:r>
+          </a:p>
+          <a:p>
+            <a:pPr marL="0" indent="0">
+              <a:buNone/>
+            </a:pPr>
+            <a:r>
+              <a:rPr lang="en-US" dirty="0">
+                <a:latin typeface="Courier New" panose="02070309020205020404" pitchFamily="49" charset="0"/>
+                <a:cs typeface="Courier New" panose="02070309020205020404" pitchFamily="49" charset="0"/>
+              </a:rPr>
+              <a:t>   if (</a:t>
+            </a:r>
+            <a:r>
+              <a:rPr lang="en-US" dirty="0" err="1">
+                <a:latin typeface="Courier New" panose="02070309020205020404" pitchFamily="49" charset="0"/>
+                <a:cs typeface="Courier New" panose="02070309020205020404" pitchFamily="49" charset="0"/>
+              </a:rPr>
+              <a:t>strncmp</a:t>
+            </a:r>
+            <a:r>
+              <a:rPr lang="en-US" dirty="0">
+                <a:latin typeface="Courier New" panose="02070309020205020404" pitchFamily="49" charset="0"/>
+                <a:cs typeface="Courier New" panose="02070309020205020404" pitchFamily="49" charset="0"/>
+              </a:rPr>
+              <a:t>(</a:t>
+            </a:r>
+            <a:r>
+              <a:rPr lang="en-US" dirty="0" err="1">
+                <a:latin typeface="Courier New" panose="02070309020205020404" pitchFamily="49" charset="0"/>
+                <a:cs typeface="Courier New" panose="02070309020205020404" pitchFamily="49" charset="0"/>
+              </a:rPr>
+              <a:t>pwdstr,targetpwd</a:t>
+            </a:r>
+            <a:r>
+              <a:rPr lang="en-US" dirty="0">
+                <a:latin typeface="Courier New" panose="02070309020205020404" pitchFamily="49" charset="0"/>
+                <a:cs typeface="Courier New" panose="02070309020205020404" pitchFamily="49" charset="0"/>
+              </a:rPr>
+              <a:t>, 12) == 0)</a:t>
+            </a:r>
+          </a:p>
+          <a:p>
+            <a:pPr marL="0" indent="0">
+              <a:buNone/>
+            </a:pPr>
+            <a:r>
+              <a:rPr lang="en-US" dirty="0">
+                <a:latin typeface="Courier New" panose="02070309020205020404" pitchFamily="49" charset="0"/>
+                <a:cs typeface="Courier New" panose="02070309020205020404" pitchFamily="49" charset="0"/>
+              </a:rPr>
+              <a:t>         </a:t>
+            </a:r>
+            <a:r>
+              <a:rPr lang="en-US" dirty="0" err="1">
+                <a:latin typeface="Courier New" panose="02070309020205020404" pitchFamily="49" charset="0"/>
+                <a:cs typeface="Courier New" panose="02070309020205020404" pitchFamily="49" charset="0"/>
+              </a:rPr>
+              <a:t>allow_login</a:t>
+            </a:r>
+            <a:r>
+              <a:rPr lang="en-US" dirty="0">
+                <a:latin typeface="Courier New" panose="02070309020205020404" pitchFamily="49" charset="0"/>
+                <a:cs typeface="Courier New" panose="02070309020205020404" pitchFamily="49" charset="0"/>
+              </a:rPr>
+              <a:t> = 1;</a:t>
+            </a:r>
+          </a:p>
+          <a:p>
+            <a:pPr marL="0" indent="0">
+              <a:buNone/>
+            </a:pPr>
+            <a:r>
+              <a:rPr lang="en-US" dirty="0">
+                <a:latin typeface="Courier New" panose="02070309020205020404" pitchFamily="49" charset="0"/>
+                <a:cs typeface="Courier New" panose="02070309020205020404" pitchFamily="49" charset="0"/>
+              </a:rPr>
+              <a:t>         if (</a:t>
+            </a:r>
+            <a:r>
+              <a:rPr lang="en-US" dirty="0" err="1">
+                <a:latin typeface="Courier New" panose="02070309020205020404" pitchFamily="49" charset="0"/>
+                <a:cs typeface="Courier New" panose="02070309020205020404" pitchFamily="49" charset="0"/>
+              </a:rPr>
+              <a:t>allow_login</a:t>
+            </a:r>
+            <a:r>
+              <a:rPr lang="en-US" dirty="0">
+                <a:latin typeface="Courier New" panose="02070309020205020404" pitchFamily="49" charset="0"/>
+                <a:cs typeface="Courier New" panose="02070309020205020404" pitchFamily="49" charset="0"/>
+              </a:rPr>
+              <a:t> == 0)</a:t>
+            </a:r>
+          </a:p>
+          <a:p>
+            <a:pPr marL="0" indent="0">
+              <a:buNone/>
+            </a:pPr>
+            <a:r>
+              <a:rPr lang="en-US" dirty="0">
+                <a:latin typeface="Courier New" panose="02070309020205020404" pitchFamily="49" charset="0"/>
+                <a:cs typeface="Courier New" panose="02070309020205020404" pitchFamily="49" charset="0"/>
+              </a:rPr>
+              <a:t>            </a:t>
+            </a:r>
+            <a:r>
+              <a:rPr lang="en-US" dirty="0" err="1">
+                <a:latin typeface="Courier New" panose="02070309020205020404" pitchFamily="49" charset="0"/>
+                <a:cs typeface="Courier New" panose="02070309020205020404" pitchFamily="49" charset="0"/>
+              </a:rPr>
+              <a:t>printf</a:t>
+            </a:r>
+            <a:r>
+              <a:rPr lang="en-US" dirty="0">
+                <a:latin typeface="Courier New" panose="02070309020205020404" pitchFamily="49" charset="0"/>
+                <a:cs typeface="Courier New" panose="02070309020205020404" pitchFamily="49" charset="0"/>
+              </a:rPr>
+              <a:t>("Login request rejected");</a:t>
+            </a:r>
+          </a:p>
+          <a:p>
+            <a:pPr marL="0" indent="0">
+              <a:buNone/>
+            </a:pPr>
+            <a:r>
+              <a:rPr lang="en-US" dirty="0">
+                <a:latin typeface="Courier New" panose="02070309020205020404" pitchFamily="49" charset="0"/>
+                <a:cs typeface="Courier New" panose="02070309020205020404" pitchFamily="49" charset="0"/>
+              </a:rPr>
+              <a:t>            else</a:t>
+            </a:r>
+          </a:p>
+          <a:p>
+            <a:pPr marL="0" indent="0">
+              <a:buNone/>
+            </a:pPr>
+            <a:r>
+              <a:rPr lang="en-US" dirty="0">
+                <a:latin typeface="Courier New" panose="02070309020205020404" pitchFamily="49" charset="0"/>
+                <a:cs typeface="Courier New" panose="02070309020205020404" pitchFamily="49" charset="0"/>
+              </a:rPr>
+              <a:t>            </a:t>
+            </a:r>
+            <a:r>
+              <a:rPr lang="en-US" dirty="0" err="1">
+                <a:latin typeface="Courier New" panose="02070309020205020404" pitchFamily="49" charset="0"/>
+                <a:cs typeface="Courier New" panose="02070309020205020404" pitchFamily="49" charset="0"/>
+              </a:rPr>
+              <a:t>printf</a:t>
+            </a:r>
+            <a:r>
+              <a:rPr lang="en-US" dirty="0">
+                <a:latin typeface="Courier New" panose="02070309020205020404" pitchFamily="49" charset="0"/>
+                <a:cs typeface="Courier New" panose="02070309020205020404" pitchFamily="49" charset="0"/>
+              </a:rPr>
+              <a:t>("Login request allowed");</a:t>
+            </a:r>
+          </a:p>
+          <a:p>
+            <a:pPr marL="0" indent="0">
+              <a:buNone/>
+            </a:pPr>
+            <a:r>
+              <a:rPr lang="en-US" dirty="0">
+                <a:latin typeface="Courier New" panose="02070309020205020404" pitchFamily="49" charset="0"/>
+                <a:cs typeface="Courier New" panose="02070309020205020404" pitchFamily="49" charset="0"/>
+              </a:rPr>
+              <a:t>}</a:t>
+            </a:r>
+            <a:endParaRPr lang="en-SE" dirty="0">
+              <a:latin typeface="Courier New" panose="02070309020205020404" pitchFamily="49" charset="0"/>
+              <a:cs typeface="Courier New" panose="02070309020205020404" pitchFamily="49" charset="0"/>
+            </a:endParaRPr>
+          </a:p>
+        </p:txBody>
+      </p:sp>
+      <p:sp>
+        <p:nvSpPr>
+          <p:cNvPr id="2" name="Title 1">
+            <a:extLst>
+              <a:ext uri="{FF2B5EF4-FFF2-40B4-BE49-F238E27FC236}">
+                <a16:creationId xmlns:a16="http://schemas.microsoft.com/office/drawing/2014/main" id="{B1CE779F-8565-4258-AD69-1227D5C01023}"/>
+              </a:ext>
+            </a:extLst>
+          </p:cNvPr>
+          <p:cNvSpPr>
+            <a:spLocks noGrp="1"/>
+          </p:cNvSpPr>
+          <p:nvPr>
+            <p:ph type="title"/>
+          </p:nvPr>
+        </p:nvSpPr>
+        <p:spPr>
+          <a:xfrm>
+            <a:off x="313242" y="-199186"/>
+            <a:ext cx="8568952" cy="868362"/>
+          </a:xfrm>
+        </p:spPr>
+        <p:txBody>
+          <a:bodyPr/>
+          <a:lstStyle/>
+          <a:p>
+            <a:r>
+              <a:rPr lang="en-US" sz="3600" dirty="0"/>
+              <a:t>Buffer Overflow Attack Example</a:t>
+            </a:r>
+            <a:endParaRPr lang="en-SE" sz="3600" dirty="0"/>
+          </a:p>
+        </p:txBody>
+      </p:sp>
+      <p:sp>
+        <p:nvSpPr>
+          <p:cNvPr id="4" name="Slide Number Placeholder 3">
+            <a:extLst>
+              <a:ext uri="{FF2B5EF4-FFF2-40B4-BE49-F238E27FC236}">
+                <a16:creationId xmlns:a16="http://schemas.microsoft.com/office/drawing/2014/main" id="{0574F2A0-2811-46EB-9D24-A4D8DD5E885C}"/>
+              </a:ext>
+            </a:extLst>
+          </p:cNvPr>
+          <p:cNvSpPr>
+            <a:spLocks noGrp="1"/>
+          </p:cNvSpPr>
+          <p:nvPr>
+            <p:ph type="sldNum" sz="quarter" idx="12"/>
+          </p:nvPr>
+        </p:nvSpPr>
+        <p:spPr>
+          <a:xfrm>
+            <a:off x="6985635" y="6525419"/>
+            <a:ext cx="2133600" cy="244475"/>
+          </a:xfrm>
+        </p:spPr>
+        <p:txBody>
+          <a:bodyPr/>
+          <a:lstStyle/>
+          <a:p>
+            <a:pPr>
+              <a:defRPr/>
+            </a:pPr>
+            <a:fld id="{F57F456A-00AF-44E6-8D70-638C0D0130FF}" type="slidenum">
+              <a:rPr lang="en-US" altLang="zh-CN" smtClean="0"/>
+              <a:pPr>
+                <a:defRPr/>
+              </a:pPr>
+              <a:t>26</a:t>
+            </a:fld>
+            <a:endParaRPr lang="en-US" altLang="zh-CN" dirty="0"/>
+          </a:p>
+        </p:txBody>
+      </p:sp>
+      <p:sp>
+        <p:nvSpPr>
+          <p:cNvPr id="24" name="Content Placeholder 2">
+            <a:extLst>
+              <a:ext uri="{FF2B5EF4-FFF2-40B4-BE49-F238E27FC236}">
+                <a16:creationId xmlns:a16="http://schemas.microsoft.com/office/drawing/2014/main" id="{D7606144-0CE6-4182-BEB4-5A570B1F6B5A}"/>
+              </a:ext>
+            </a:extLst>
+          </p:cNvPr>
+          <p:cNvSpPr txBox="1">
+            <a:spLocks/>
+          </p:cNvSpPr>
+          <p:nvPr/>
+        </p:nvSpPr>
+        <p:spPr bwMode="auto">
+          <a:xfrm>
+            <a:off x="24765" y="3690549"/>
+            <a:ext cx="4547235" cy="3306463"/>
+          </a:xfrm>
+          <a:prstGeom prst="rect">
+            <a:avLst/>
+          </a:prstGeom>
+          <a:noFill/>
+          <a:ln w="9525">
+            <a:noFill/>
+            <a:miter lim="800000"/>
+            <a:headEnd/>
+            <a:tailEnd/>
+          </a:ln>
+        </p:spPr>
+        <p:txBody>
+          <a:bodyPr vert="horz" wrap="square" lIns="91440" tIns="45720" rIns="91440" bIns="45720" numCol="1" anchor="t" anchorCtr="0" compatLnSpc="1">
+            <a:prstTxWarp prst="textNoShape">
+              <a:avLst/>
+            </a:prstTxWarp>
+            <a:normAutofit fontScale="92500"/>
+          </a:bodyPr>
+          <a:lstStyle>
+            <a:lvl1pPr marL="342900" indent="-342900" algn="l" rtl="0" eaLnBrk="1" fontAlgn="base" hangingPunct="1">
+              <a:spcBef>
+                <a:spcPct val="20000"/>
+              </a:spcBef>
+              <a:spcAft>
+                <a:spcPct val="0"/>
+              </a:spcAft>
+              <a:buChar char="•"/>
+              <a:defRPr sz="3600">
+                <a:solidFill>
+                  <a:schemeClr val="tx1"/>
+                </a:solidFill>
+                <a:latin typeface="+mn-lt"/>
+                <a:ea typeface="+mn-ea"/>
+                <a:cs typeface="+mn-cs"/>
+              </a:defRPr>
+            </a:lvl1pPr>
+            <a:lvl2pPr marL="742950" indent="-285750" algn="l" rtl="0" eaLnBrk="1" fontAlgn="base" hangingPunct="1">
+              <a:spcBef>
+                <a:spcPct val="20000"/>
+              </a:spcBef>
+              <a:spcAft>
+                <a:spcPct val="0"/>
+              </a:spcAft>
+              <a:buChar char="–"/>
+              <a:defRPr sz="3200">
+                <a:solidFill>
+                  <a:schemeClr val="tx1"/>
+                </a:solidFill>
+                <a:latin typeface="+mn-lt"/>
+              </a:defRPr>
+            </a:lvl2pPr>
+            <a:lvl3pPr marL="1143000" indent="-228600" algn="l" rtl="0" eaLnBrk="1" fontAlgn="base" hangingPunct="1">
+              <a:spcBef>
+                <a:spcPct val="20000"/>
+              </a:spcBef>
+              <a:spcAft>
+                <a:spcPct val="0"/>
+              </a:spcAft>
+              <a:buChar char="•"/>
+              <a:defRPr sz="2800">
+                <a:solidFill>
+                  <a:schemeClr val="tx1"/>
+                </a:solidFill>
+                <a:latin typeface="+mn-lt"/>
+              </a:defRPr>
+            </a:lvl3pPr>
+            <a:lvl4pPr marL="1600200" indent="-228600" algn="l" rtl="0" eaLnBrk="1" fontAlgn="base" hangingPunct="1">
+              <a:spcBef>
+                <a:spcPct val="20000"/>
+              </a:spcBef>
+              <a:spcAft>
+                <a:spcPct val="0"/>
+              </a:spcAft>
+              <a:buChar char="–"/>
+              <a:defRPr sz="2400">
+                <a:solidFill>
+                  <a:schemeClr val="tx1"/>
+                </a:solidFill>
+                <a:latin typeface="+mn-lt"/>
+              </a:defRPr>
+            </a:lvl4pPr>
+            <a:lvl5pPr marL="2057400" indent="-228600" algn="l" rtl="0" eaLnBrk="1" fontAlgn="base" hangingPunct="1">
+              <a:spcBef>
+                <a:spcPct val="20000"/>
+              </a:spcBef>
+              <a:spcAft>
+                <a:spcPct val="0"/>
+              </a:spcAft>
+              <a:buChar char="»"/>
+              <a:defRPr sz="2400">
+                <a:solidFill>
+                  <a:schemeClr val="tx1"/>
+                </a:solidFill>
+                <a:latin typeface="+mn-lt"/>
+              </a:defRPr>
+            </a:lvl5pPr>
+            <a:lvl6pPr marL="2514600" indent="-228600" algn="l" rtl="0" eaLnBrk="1" fontAlgn="base" hangingPunct="1">
+              <a:spcBef>
+                <a:spcPct val="20000"/>
+              </a:spcBef>
+              <a:spcAft>
+                <a:spcPct val="0"/>
+              </a:spcAft>
+              <a:buChar char="»"/>
+              <a:defRPr sz="2000">
+                <a:solidFill>
+                  <a:schemeClr val="tx1"/>
+                </a:solidFill>
+                <a:latin typeface="+mn-lt"/>
+              </a:defRPr>
+            </a:lvl6pPr>
+            <a:lvl7pPr marL="2971800" indent="-228600" algn="l" rtl="0" eaLnBrk="1" fontAlgn="base" hangingPunct="1">
+              <a:spcBef>
+                <a:spcPct val="20000"/>
+              </a:spcBef>
+              <a:spcAft>
+                <a:spcPct val="0"/>
+              </a:spcAft>
+              <a:buChar char="»"/>
+              <a:defRPr sz="2000">
+                <a:solidFill>
+                  <a:schemeClr val="tx1"/>
+                </a:solidFill>
+                <a:latin typeface="+mn-lt"/>
+              </a:defRPr>
+            </a:lvl7pPr>
+            <a:lvl8pPr marL="3429000" indent="-228600" algn="l" rtl="0" eaLnBrk="1" fontAlgn="base" hangingPunct="1">
+              <a:spcBef>
+                <a:spcPct val="20000"/>
+              </a:spcBef>
+              <a:spcAft>
+                <a:spcPct val="0"/>
+              </a:spcAft>
+              <a:buChar char="»"/>
+              <a:defRPr sz="2000">
+                <a:solidFill>
+                  <a:schemeClr val="tx1"/>
+                </a:solidFill>
+                <a:latin typeface="+mn-lt"/>
+              </a:defRPr>
+            </a:lvl8pPr>
+            <a:lvl9pPr marL="3886200" indent="-228600" algn="l" rtl="0" eaLnBrk="1" fontAlgn="base" hangingPunct="1">
+              <a:spcBef>
+                <a:spcPct val="20000"/>
+              </a:spcBef>
+              <a:spcAft>
+                <a:spcPct val="0"/>
+              </a:spcAft>
+              <a:buChar char="»"/>
+              <a:defRPr sz="2000">
+                <a:solidFill>
+                  <a:schemeClr val="tx1"/>
+                </a:solidFill>
+                <a:latin typeface="+mn-lt"/>
+              </a:defRPr>
+            </a:lvl9pPr>
+          </a:lstStyle>
+          <a:p>
+            <a:pPr marL="0" indent="0">
+              <a:buFontTx/>
+              <a:buNone/>
+            </a:pPr>
+            <a:r>
+              <a:rPr lang="en-US" sz="1800" kern="0" dirty="0"/>
+              <a:t>If we enter a string longer than 12B, size of </a:t>
+            </a:r>
+            <a:r>
+              <a:rPr lang="en-US" sz="1800" dirty="0" err="1"/>
+              <a:t>pwdstr</a:t>
+            </a:r>
+            <a:r>
+              <a:rPr lang="en-US" sz="1800" dirty="0"/>
+              <a:t>[12]</a:t>
+            </a:r>
+            <a:r>
+              <a:rPr lang="en-US" sz="1800" kern="0" dirty="0"/>
+              <a:t>, gets(</a:t>
+            </a:r>
+            <a:r>
+              <a:rPr lang="en-US" sz="1800" kern="0" dirty="0" err="1"/>
+              <a:t>pwdstr</a:t>
+            </a:r>
+            <a:r>
+              <a:rPr lang="en-US" sz="1800" kern="0" dirty="0"/>
+              <a:t>) will overflow into memory addresses of variable </a:t>
+            </a:r>
+            <a:r>
+              <a:rPr lang="en-US" sz="1800" i="1" kern="0" dirty="0" err="1"/>
+              <a:t>allow_login</a:t>
+            </a:r>
+            <a:r>
+              <a:rPr lang="en-US" sz="1800" kern="0" dirty="0"/>
+              <a:t>, so we can overwrite it to 1. </a:t>
+            </a:r>
+          </a:p>
+          <a:p>
+            <a:pPr marL="0" indent="0">
+              <a:buFontTx/>
+              <a:buNone/>
+            </a:pPr>
+            <a:r>
+              <a:rPr lang="en-US" sz="1800" kern="0" dirty="0"/>
+              <a:t>If we enter a string longer than 16B, we can overwrite the </a:t>
+            </a:r>
+            <a:r>
+              <a:rPr lang="en-US" sz="1800" i="1" kern="0" dirty="0"/>
+              <a:t>return address </a:t>
+            </a:r>
+            <a:r>
+              <a:rPr lang="en-US" sz="1800" kern="0" dirty="0"/>
+              <a:t>so it contains the address of some malicious code. When main() is exited, program counter will jump to that address and start execution.</a:t>
+            </a:r>
+          </a:p>
+          <a:p>
+            <a:pPr marL="0" indent="0">
+              <a:buNone/>
+            </a:pPr>
+            <a:r>
+              <a:rPr lang="en-US" sz="1800" dirty="0"/>
+              <a:t>(This example shows attack on main(), which is similar to attack on A() shown earlier.)</a:t>
+            </a:r>
+            <a:endParaRPr lang="en-SE" sz="1800" dirty="0"/>
+          </a:p>
+          <a:p>
+            <a:pPr marL="0" indent="0">
+              <a:buFontTx/>
+              <a:buNone/>
+            </a:pPr>
+            <a:endParaRPr lang="en-US" sz="1800" kern="0" dirty="0"/>
+          </a:p>
+        </p:txBody>
+      </p:sp>
+    </p:spTree>
+    <p:extLst>
+      <p:ext uri="{BB962C8B-B14F-4D97-AF65-F5344CB8AC3E}">
+        <p14:creationId xmlns:p14="http://schemas.microsoft.com/office/powerpoint/2010/main" val="4245410568"/>
+      </p:ext>
+    </p:extLst>
+  </p:cSld>
+  <p:clrMapOvr>
+    <a:masterClrMapping/>
+  </p:clrMapOvr>
+</p:sld>
+</file>
+
+<file path=ppt/slides/slide27.xml><?xml version="1.0" encoding="utf-8"?>
+<p:sld xmlns:a="http://schemas.openxmlformats.org/drawingml/2006/main" xmlns:r="http://schemas.openxmlformats.org/officeDocument/2006/relationships" xmlns:p="http://schemas.openxmlformats.org/presentationml/2006/main">
+  <p:cSld>
+    <p:spTree>
+      <p:nvGrpSpPr>
+        <p:cNvPr id="1" name=""/>
+        <p:cNvGrpSpPr/>
+        <p:nvPr/>
+      </p:nvGrpSpPr>
+      <p:grpSpPr>
+        <a:xfrm>
+          <a:off x="0" y="0"/>
+          <a:ext cx="0" cy="0"/>
+          <a:chOff x="0" y="0"/>
+          <a:chExt cx="0" cy="0"/>
+        </a:xfrm>
+      </p:grpSpPr>
+      <p:sp>
+        <p:nvSpPr>
+          <p:cNvPr id="2" name="标题 1">
+            <a:extLst>
+              <a:ext uri="{FF2B5EF4-FFF2-40B4-BE49-F238E27FC236}">
+                <a16:creationId xmlns:a16="http://schemas.microsoft.com/office/drawing/2014/main" id="{1840D389-9D00-416A-9A7B-5681C43EAE07}"/>
+              </a:ext>
+            </a:extLst>
+          </p:cNvPr>
+          <p:cNvSpPr>
+            <a:spLocks noGrp="1"/>
+          </p:cNvSpPr>
+          <p:nvPr>
+            <p:ph type="title"/>
+          </p:nvPr>
+        </p:nvSpPr>
+        <p:spPr/>
+        <p:txBody>
+          <a:bodyPr/>
+          <a:lstStyle/>
+          <a:p>
+            <a:r>
+              <a:rPr lang="en-US" altLang="zh-CN" sz="4000" dirty="0"/>
+              <a:t>An Example</a:t>
+            </a:r>
+            <a:endParaRPr lang="zh-CN" altLang="en-US" sz="4000" dirty="0"/>
+          </a:p>
+        </p:txBody>
+      </p:sp>
+      <p:sp>
+        <p:nvSpPr>
+          <p:cNvPr id="3" name="内容占位符 2">
+            <a:extLst>
+              <a:ext uri="{FF2B5EF4-FFF2-40B4-BE49-F238E27FC236}">
+                <a16:creationId xmlns:a16="http://schemas.microsoft.com/office/drawing/2014/main" id="{F147DF4B-5045-4509-839C-072284E296EA}"/>
+              </a:ext>
+            </a:extLst>
+          </p:cNvPr>
+          <p:cNvSpPr>
+            <a:spLocks noGrp="1"/>
+          </p:cNvSpPr>
+          <p:nvPr>
+            <p:ph idx="1"/>
+          </p:nvPr>
+        </p:nvSpPr>
+        <p:spPr/>
+        <p:txBody>
+          <a:bodyPr>
+            <a:normAutofit fontScale="92500" lnSpcReduction="10000"/>
+          </a:bodyPr>
+          <a:lstStyle/>
+          <a:p>
+            <a:pPr marL="0" indent="0">
+              <a:buNone/>
+            </a:pPr>
+            <a:r>
+              <a:rPr lang="en-US" altLang="zh-CN" dirty="0"/>
+              <a:t>int main(int argc, char *</a:t>
+            </a:r>
+            <a:r>
+              <a:rPr lang="en-US" altLang="zh-CN" dirty="0" err="1"/>
+              <a:t>argv</a:t>
+            </a:r>
+            <a:r>
+              <a:rPr lang="en-US" altLang="zh-CN" dirty="0"/>
+              <a:t>[]) {</a:t>
+            </a:r>
+          </a:p>
+          <a:p>
+            <a:pPr marL="0" indent="0">
+              <a:buNone/>
+            </a:pPr>
+            <a:r>
+              <a:rPr lang="en-US" altLang="zh-CN" dirty="0"/>
+              <a:t>  int </a:t>
+            </a:r>
+            <a:r>
+              <a:rPr lang="en-US" altLang="zh-CN" dirty="0" err="1"/>
+              <a:t>allow_login</a:t>
+            </a:r>
+            <a:r>
+              <a:rPr lang="en-US" altLang="zh-CN" dirty="0"/>
+              <a:t> = 0;</a:t>
+            </a:r>
+          </a:p>
+          <a:p>
+            <a:pPr marL="0" indent="0">
+              <a:buNone/>
+            </a:pPr>
+            <a:r>
+              <a:rPr lang="en-US" altLang="zh-CN" dirty="0"/>
+              <a:t>  char </a:t>
+            </a:r>
+            <a:r>
+              <a:rPr lang="en-US" altLang="zh-CN" dirty="0" err="1"/>
+              <a:t>pwdstr</a:t>
+            </a:r>
+            <a:r>
+              <a:rPr lang="en-US" altLang="zh-CN" dirty="0"/>
+              <a:t>[12];</a:t>
+            </a:r>
+          </a:p>
+          <a:p>
+            <a:pPr marL="0" indent="0">
+              <a:buNone/>
+            </a:pPr>
+            <a:r>
+              <a:rPr lang="en-US" altLang="zh-CN" dirty="0"/>
+              <a:t>  char </a:t>
+            </a:r>
+            <a:r>
+              <a:rPr lang="en-US" altLang="zh-CN" dirty="0" err="1"/>
+              <a:t>targetpwd</a:t>
+            </a:r>
+            <a:r>
+              <a:rPr lang="en-US" altLang="zh-CN" dirty="0"/>
+              <a:t>[12]=“MyPwd123”;</a:t>
+            </a:r>
+          </a:p>
+          <a:p>
+            <a:pPr marL="0" indent="0">
+              <a:buNone/>
+            </a:pPr>
+            <a:r>
+              <a:rPr lang="en-US" altLang="zh-CN" dirty="0"/>
+              <a:t>  gets(</a:t>
+            </a:r>
+            <a:r>
+              <a:rPr lang="en-US" altLang="zh-CN" dirty="0" err="1"/>
+              <a:t>pwdstr</a:t>
+            </a:r>
+            <a:r>
+              <a:rPr lang="en-US" altLang="zh-CN" dirty="0"/>
+              <a:t>);//No bounds check! </a:t>
+            </a:r>
+          </a:p>
+          <a:p>
+            <a:pPr marL="0" indent="0">
+              <a:buNone/>
+            </a:pPr>
+            <a:r>
+              <a:rPr lang="en-US" altLang="zh-CN" dirty="0"/>
+              <a:t>  if(</a:t>
+            </a:r>
+            <a:r>
+              <a:rPr lang="en-US" altLang="zh-CN" dirty="0" err="1"/>
+              <a:t>strncmp</a:t>
+            </a:r>
+            <a:r>
+              <a:rPr lang="en-US" altLang="zh-CN" dirty="0"/>
+              <a:t>(</a:t>
+            </a:r>
+            <a:r>
+              <a:rPr lang="en-US" altLang="zh-CN" dirty="0" err="1"/>
+              <a:t>pwdstr</a:t>
+            </a:r>
+            <a:r>
+              <a:rPr lang="en-US" altLang="zh-CN" dirty="0"/>
+              <a:t>, </a:t>
+            </a:r>
+            <a:r>
+              <a:rPr lang="en-US" altLang="zh-CN" dirty="0" err="1"/>
+              <a:t>targetpwd</a:t>
+            </a:r>
+            <a:r>
+              <a:rPr lang="en-US" altLang="zh-CN" dirty="0"/>
+              <a:t>, 12) ==0)</a:t>
+            </a:r>
+          </a:p>
+          <a:p>
+            <a:pPr marL="0" indent="0">
+              <a:buNone/>
+            </a:pPr>
+            <a:r>
+              <a:rPr lang="en-US" altLang="zh-CN" dirty="0"/>
+              <a:t>    </a:t>
+            </a:r>
+            <a:r>
+              <a:rPr lang="en-US" altLang="zh-CN" dirty="0" err="1"/>
+              <a:t>allow_login</a:t>
+            </a:r>
+            <a:r>
+              <a:rPr lang="en-US" altLang="zh-CN" dirty="0"/>
+              <a:t> = 1;</a:t>
+            </a:r>
+          </a:p>
+          <a:p>
+            <a:pPr marL="0" indent="0">
+              <a:buNone/>
+            </a:pPr>
+            <a:r>
+              <a:rPr lang="en-US" altLang="zh-CN" dirty="0"/>
+              <a:t>  if (</a:t>
+            </a:r>
+            <a:r>
+              <a:rPr lang="en-US" altLang="zh-CN" dirty="0" err="1"/>
+              <a:t>allow_login</a:t>
+            </a:r>
+            <a:r>
+              <a:rPr lang="en-US" altLang="zh-CN" dirty="0"/>
+              <a:t> = 0)</a:t>
+            </a:r>
+          </a:p>
+          <a:p>
+            <a:pPr marL="0" indent="0">
+              <a:buNone/>
+            </a:pPr>
+            <a:r>
+              <a:rPr lang="en-US" altLang="zh-CN" dirty="0"/>
+              <a:t>    </a:t>
+            </a:r>
+            <a:r>
+              <a:rPr lang="en-US" altLang="zh-CN" dirty="0" err="1"/>
+              <a:t>printf</a:t>
+            </a:r>
+            <a:r>
+              <a:rPr lang="en-US" altLang="zh-CN" dirty="0"/>
+              <a:t>(“Login request rejected”);</a:t>
+            </a:r>
+          </a:p>
+          <a:p>
+            <a:pPr marL="0" indent="0">
+              <a:buNone/>
+            </a:pPr>
+            <a:r>
+              <a:rPr lang="en-US" altLang="zh-CN" dirty="0"/>
+              <a:t>  else</a:t>
+            </a:r>
+          </a:p>
+          <a:p>
+            <a:pPr marL="0" indent="0">
+              <a:buNone/>
+            </a:pPr>
+            <a:r>
+              <a:rPr lang="en-US" altLang="zh-CN" dirty="0"/>
+              <a:t>    </a:t>
+            </a:r>
+            <a:r>
+              <a:rPr lang="en-US" altLang="zh-CN" dirty="0" err="1"/>
+              <a:t>printf</a:t>
+            </a:r>
+            <a:r>
+              <a:rPr lang="en-US" altLang="zh-CN" dirty="0"/>
+              <a:t>(“Login request allowed”);</a:t>
+            </a:r>
+          </a:p>
+          <a:p>
+            <a:pPr marL="0" indent="0">
+              <a:buNone/>
+            </a:pPr>
+            <a:r>
+              <a:rPr lang="en-US" altLang="zh-CN" dirty="0"/>
+              <a:t>}</a:t>
+            </a:r>
+            <a:endParaRPr lang="zh-CN" altLang="en-US" dirty="0"/>
+          </a:p>
+        </p:txBody>
+      </p:sp>
+      <p:sp>
+        <p:nvSpPr>
+          <p:cNvPr id="4" name="灯片编号占位符 3">
+            <a:extLst>
+              <a:ext uri="{FF2B5EF4-FFF2-40B4-BE49-F238E27FC236}">
+                <a16:creationId xmlns:a16="http://schemas.microsoft.com/office/drawing/2014/main" id="{047EE5BE-D666-4199-B1B0-5BC41F45EDD9}"/>
+              </a:ext>
+            </a:extLst>
+          </p:cNvPr>
+          <p:cNvSpPr>
+            <a:spLocks noGrp="1"/>
+          </p:cNvSpPr>
+          <p:nvPr>
+            <p:ph type="sldNum" sz="quarter" idx="12"/>
+          </p:nvPr>
+        </p:nvSpPr>
+        <p:spPr/>
+        <p:txBody>
+          <a:bodyPr/>
+          <a:lstStyle/>
+          <a:p>
+            <a:fld id="{5F36C9FC-DA22-1F47-8722-58727A1D436E}" type="slidenum">
+              <a:rPr lang="en-US" smtClean="0">
+                <a:solidFill>
+                  <a:prstClr val="white">
+                    <a:lumMod val="65000"/>
+                    <a:lumOff val="35000"/>
+                  </a:prstClr>
+                </a:solidFill>
+              </a:rPr>
+              <a:pPr/>
+              <a:t>27</a:t>
+            </a:fld>
+            <a:endParaRPr lang="en-US" dirty="0">
+              <a:solidFill>
+                <a:prstClr val="white">
+                  <a:lumMod val="65000"/>
+                  <a:lumOff val="35000"/>
+                </a:prstClr>
+              </a:solidFill>
+            </a:endParaRPr>
+          </a:p>
+        </p:txBody>
+      </p:sp>
+      <p:graphicFrame>
+        <p:nvGraphicFramePr>
+          <p:cNvPr id="5" name="表格 4">
+            <a:extLst>
+              <a:ext uri="{FF2B5EF4-FFF2-40B4-BE49-F238E27FC236}">
+                <a16:creationId xmlns:a16="http://schemas.microsoft.com/office/drawing/2014/main" id="{BF4579F8-2BE2-4B5C-9D64-C298E472396B}"/>
+              </a:ext>
+            </a:extLst>
+          </p:cNvPr>
+          <p:cNvGraphicFramePr>
+            <a:graphicFrameLocks noGrp="1"/>
+          </p:cNvGraphicFramePr>
+          <p:nvPr/>
+        </p:nvGraphicFramePr>
+        <p:xfrm>
+          <a:off x="6313268" y="1330864"/>
+          <a:ext cx="1512168" cy="3708400"/>
+        </p:xfrm>
+        <a:graphic>
+          <a:graphicData uri="http://schemas.openxmlformats.org/drawingml/2006/table">
+            <a:tbl>
+              <a:tblPr firstRow="1" bandRow="1">
+                <a:tableStyleId>{5940675A-B579-460E-94D1-54222C63F5DA}</a:tableStyleId>
+              </a:tblPr>
+              <a:tblGrid>
+                <a:gridCol w="1512168">
+                  <a:extLst>
+                    <a:ext uri="{9D8B030D-6E8A-4147-A177-3AD203B41FA5}">
+                      <a16:colId xmlns:a16="http://schemas.microsoft.com/office/drawing/2014/main" val="3205406346"/>
+                    </a:ext>
+                  </a:extLst>
+                </a:gridCol>
+              </a:tblGrid>
+              <a:tr h="370840">
+                <a:tc>
+                  <a:txBody>
+                    <a:bodyPr/>
+                    <a:lstStyle/>
+                    <a:p>
+                      <a:endParaRPr lang="zh-CN" altLang="en-US" b="0" dirty="0"/>
+                    </a:p>
+                  </a:txBody>
+                  <a:tcPr/>
+                </a:tc>
+                <a:extLst>
+                  <a:ext uri="{0D108BD9-81ED-4DB2-BD59-A6C34878D82A}">
+                    <a16:rowId xmlns:a16="http://schemas.microsoft.com/office/drawing/2014/main" val="4103921419"/>
+                  </a:ext>
+                </a:extLst>
+              </a:tr>
+              <a:tr h="370840">
+                <a:tc>
+                  <a:txBody>
+                    <a:bodyPr/>
+                    <a:lstStyle/>
+                    <a:p>
+                      <a:endParaRPr lang="zh-CN" altLang="en-US" b="0" dirty="0"/>
+                    </a:p>
+                  </a:txBody>
+                  <a:tcPr/>
+                </a:tc>
+                <a:extLst>
+                  <a:ext uri="{0D108BD9-81ED-4DB2-BD59-A6C34878D82A}">
+                    <a16:rowId xmlns:a16="http://schemas.microsoft.com/office/drawing/2014/main" val="35154256"/>
+                  </a:ext>
+                </a:extLst>
+              </a:tr>
+              <a:tr h="370840">
+                <a:tc>
+                  <a:txBody>
+                    <a:bodyPr/>
+                    <a:lstStyle/>
+                    <a:p>
+                      <a:endParaRPr lang="zh-CN" altLang="en-US" b="0" dirty="0"/>
+                    </a:p>
+                  </a:txBody>
+                  <a:tcPr/>
+                </a:tc>
+                <a:extLst>
+                  <a:ext uri="{0D108BD9-81ED-4DB2-BD59-A6C34878D82A}">
+                    <a16:rowId xmlns:a16="http://schemas.microsoft.com/office/drawing/2014/main" val="1181923747"/>
+                  </a:ext>
+                </a:extLst>
+              </a:tr>
+              <a:tr h="370840">
+                <a:tc>
+                  <a:txBody>
+                    <a:bodyPr/>
+                    <a:lstStyle/>
+                    <a:p>
+                      <a:endParaRPr lang="zh-CN" altLang="en-US" b="0" dirty="0"/>
+                    </a:p>
+                  </a:txBody>
+                  <a:tcPr/>
+                </a:tc>
+                <a:extLst>
+                  <a:ext uri="{0D108BD9-81ED-4DB2-BD59-A6C34878D82A}">
+                    <a16:rowId xmlns:a16="http://schemas.microsoft.com/office/drawing/2014/main" val="589870786"/>
+                  </a:ext>
+                </a:extLst>
+              </a:tr>
+              <a:tr h="370840">
+                <a:tc>
+                  <a:txBody>
+                    <a:bodyPr/>
+                    <a:lstStyle/>
+                    <a:p>
+                      <a:endParaRPr lang="zh-CN" altLang="en-US" b="0" dirty="0"/>
+                    </a:p>
+                  </a:txBody>
+                  <a:tcPr/>
+                </a:tc>
+                <a:extLst>
+                  <a:ext uri="{0D108BD9-81ED-4DB2-BD59-A6C34878D82A}">
+                    <a16:rowId xmlns:a16="http://schemas.microsoft.com/office/drawing/2014/main" val="3150361087"/>
+                  </a:ext>
+                </a:extLst>
+              </a:tr>
+              <a:tr h="370840">
+                <a:tc>
+                  <a:txBody>
+                    <a:bodyPr/>
+                    <a:lstStyle/>
+                    <a:p>
+                      <a:endParaRPr lang="zh-CN" altLang="en-US" b="0" dirty="0"/>
+                    </a:p>
+                  </a:txBody>
+                  <a:tcPr/>
+                </a:tc>
+                <a:extLst>
+                  <a:ext uri="{0D108BD9-81ED-4DB2-BD59-A6C34878D82A}">
+                    <a16:rowId xmlns:a16="http://schemas.microsoft.com/office/drawing/2014/main" val="182011134"/>
+                  </a:ext>
+                </a:extLst>
+              </a:tr>
+              <a:tr h="370840">
+                <a:tc>
+                  <a:txBody>
+                    <a:bodyPr/>
+                    <a:lstStyle/>
+                    <a:p>
+                      <a:endParaRPr lang="zh-CN" altLang="en-US" b="0" dirty="0"/>
+                    </a:p>
+                  </a:txBody>
+                  <a:tcPr/>
+                </a:tc>
+                <a:extLst>
+                  <a:ext uri="{0D108BD9-81ED-4DB2-BD59-A6C34878D82A}">
+                    <a16:rowId xmlns:a16="http://schemas.microsoft.com/office/drawing/2014/main" val="1753684760"/>
+                  </a:ext>
+                </a:extLst>
+              </a:tr>
+              <a:tr h="370840">
+                <a:tc>
+                  <a:txBody>
+                    <a:bodyPr/>
+                    <a:lstStyle/>
+                    <a:p>
+                      <a:endParaRPr lang="zh-CN" altLang="en-US" b="0" dirty="0"/>
+                    </a:p>
+                  </a:txBody>
+                  <a:tcPr/>
+                </a:tc>
+                <a:extLst>
+                  <a:ext uri="{0D108BD9-81ED-4DB2-BD59-A6C34878D82A}">
+                    <a16:rowId xmlns:a16="http://schemas.microsoft.com/office/drawing/2014/main" val="2029128889"/>
+                  </a:ext>
+                </a:extLst>
+              </a:tr>
+              <a:tr h="370840">
+                <a:tc>
+                  <a:txBody>
+                    <a:bodyPr/>
+                    <a:lstStyle/>
+                    <a:p>
+                      <a:pPr marL="0" marR="0" lvl="0" indent="0" algn="l" defTabSz="914400" rtl="0" eaLnBrk="1" fontAlgn="auto" latinLnBrk="0" hangingPunct="1">
+                        <a:lnSpc>
+                          <a:spcPct val="100000"/>
+                        </a:lnSpc>
+                        <a:spcBef>
+                          <a:spcPts val="0"/>
+                        </a:spcBef>
+                        <a:spcAft>
+                          <a:spcPts val="0"/>
+                        </a:spcAft>
+                        <a:buClrTx/>
+                        <a:buSzTx/>
+                        <a:buFontTx/>
+                        <a:buNone/>
+                        <a:tabLst/>
+                        <a:defRPr/>
+                      </a:pPr>
+                      <a:endParaRPr lang="zh-CN" altLang="en-US" b="0" dirty="0"/>
+                    </a:p>
+                  </a:txBody>
+                  <a:tcPr/>
+                </a:tc>
+                <a:extLst>
+                  <a:ext uri="{0D108BD9-81ED-4DB2-BD59-A6C34878D82A}">
+                    <a16:rowId xmlns:a16="http://schemas.microsoft.com/office/drawing/2014/main" val="3626492980"/>
+                  </a:ext>
+                </a:extLst>
+              </a:tr>
+              <a:tr h="370840">
+                <a:tc>
+                  <a:txBody>
+                    <a:bodyPr/>
+                    <a:lstStyle/>
+                    <a:p>
+                      <a:pPr marL="0" marR="0" lvl="0" indent="0" algn="l" defTabSz="914400" rtl="0" eaLnBrk="1" fontAlgn="auto" latinLnBrk="0" hangingPunct="1">
+                        <a:lnSpc>
+                          <a:spcPct val="100000"/>
+                        </a:lnSpc>
+                        <a:spcBef>
+                          <a:spcPts val="0"/>
+                        </a:spcBef>
+                        <a:spcAft>
+                          <a:spcPts val="0"/>
+                        </a:spcAft>
+                        <a:buClrTx/>
+                        <a:buSzTx/>
+                        <a:buFontTx/>
+                        <a:buNone/>
+                        <a:tabLst/>
+                        <a:defRPr/>
+                      </a:pPr>
+                      <a:endParaRPr lang="zh-CN" altLang="en-US" b="0" dirty="0"/>
+                    </a:p>
+                  </a:txBody>
+                  <a:tcPr/>
+                </a:tc>
+                <a:extLst>
+                  <a:ext uri="{0D108BD9-81ED-4DB2-BD59-A6C34878D82A}">
+                    <a16:rowId xmlns:a16="http://schemas.microsoft.com/office/drawing/2014/main" val="2993157849"/>
+                  </a:ext>
+                </a:extLst>
+              </a:tr>
+            </a:tbl>
+          </a:graphicData>
+        </a:graphic>
+      </p:graphicFrame>
+      <p:sp>
+        <p:nvSpPr>
+          <p:cNvPr id="8" name="矩形 7">
+            <a:extLst>
+              <a:ext uri="{FF2B5EF4-FFF2-40B4-BE49-F238E27FC236}">
+                <a16:creationId xmlns:a16="http://schemas.microsoft.com/office/drawing/2014/main" id="{4BC06BA3-90DD-4FF8-AC58-FFB0EF525A02}"/>
+              </a:ext>
+            </a:extLst>
+          </p:cNvPr>
+          <p:cNvSpPr/>
+          <p:nvPr/>
+        </p:nvSpPr>
+        <p:spPr>
+          <a:xfrm>
+            <a:off x="7795595" y="1301401"/>
+            <a:ext cx="633507" cy="369332"/>
+          </a:xfrm>
+          <a:prstGeom prst="rect">
+            <a:avLst/>
+          </a:prstGeom>
+        </p:spPr>
+        <p:txBody>
+          <a:bodyPr wrap="none">
+            <a:spAutoFit/>
+          </a:bodyPr>
+          <a:lstStyle/>
+          <a:p>
+            <a:r>
+              <a:rPr lang="en-US" altLang="zh-CN" dirty="0"/>
+              <a:t>argc</a:t>
+            </a:r>
+            <a:endParaRPr lang="zh-CN" altLang="en-US" dirty="0"/>
+          </a:p>
+        </p:txBody>
+      </p:sp>
+      <p:sp>
+        <p:nvSpPr>
+          <p:cNvPr id="9" name="矩形 8">
+            <a:extLst>
+              <a:ext uri="{FF2B5EF4-FFF2-40B4-BE49-F238E27FC236}">
+                <a16:creationId xmlns:a16="http://schemas.microsoft.com/office/drawing/2014/main" id="{D59907BF-D389-4DB0-A0C8-BD9C23DBB9DC}"/>
+              </a:ext>
+            </a:extLst>
+          </p:cNvPr>
+          <p:cNvSpPr/>
+          <p:nvPr/>
+        </p:nvSpPr>
+        <p:spPr>
+          <a:xfrm>
+            <a:off x="7795595" y="1688280"/>
+            <a:ext cx="633507" cy="369332"/>
+          </a:xfrm>
+          <a:prstGeom prst="rect">
+            <a:avLst/>
+          </a:prstGeom>
+        </p:spPr>
+        <p:txBody>
+          <a:bodyPr wrap="none">
+            <a:spAutoFit/>
+          </a:bodyPr>
+          <a:lstStyle/>
+          <a:p>
+            <a:r>
+              <a:rPr lang="en-US" altLang="zh-CN" dirty="0" err="1"/>
+              <a:t>argv</a:t>
+            </a:r>
+            <a:endParaRPr lang="zh-CN" altLang="en-US" dirty="0"/>
+          </a:p>
+        </p:txBody>
+      </p:sp>
+      <p:sp>
+        <p:nvSpPr>
+          <p:cNvPr id="10" name="矩形 9">
+            <a:extLst>
+              <a:ext uri="{FF2B5EF4-FFF2-40B4-BE49-F238E27FC236}">
+                <a16:creationId xmlns:a16="http://schemas.microsoft.com/office/drawing/2014/main" id="{FF26BFF1-3C94-487E-BF76-92843A64E634}"/>
+              </a:ext>
+            </a:extLst>
+          </p:cNvPr>
+          <p:cNvSpPr/>
+          <p:nvPr/>
+        </p:nvSpPr>
+        <p:spPr>
+          <a:xfrm>
+            <a:off x="7795595" y="2049735"/>
+            <a:ext cx="1036833" cy="369332"/>
+          </a:xfrm>
+          <a:prstGeom prst="rect">
+            <a:avLst/>
+          </a:prstGeom>
+        </p:spPr>
+        <p:txBody>
+          <a:bodyPr wrap="square">
+            <a:spAutoFit/>
+          </a:bodyPr>
+          <a:lstStyle/>
+          <a:p>
+            <a:r>
+              <a:rPr lang="en-US" altLang="zh-CN" dirty="0"/>
+              <a:t>ret. add.</a:t>
+            </a:r>
+            <a:endParaRPr lang="zh-CN" altLang="en-US" dirty="0"/>
+          </a:p>
+        </p:txBody>
+      </p:sp>
+      <p:sp>
+        <p:nvSpPr>
+          <p:cNvPr id="11" name="矩形 10">
+            <a:extLst>
+              <a:ext uri="{FF2B5EF4-FFF2-40B4-BE49-F238E27FC236}">
+                <a16:creationId xmlns:a16="http://schemas.microsoft.com/office/drawing/2014/main" id="{5D211D13-2E0C-48EE-8D30-60BE79BBF186}"/>
+              </a:ext>
+            </a:extLst>
+          </p:cNvPr>
+          <p:cNvSpPr/>
+          <p:nvPr/>
+        </p:nvSpPr>
+        <p:spPr>
+          <a:xfrm>
+            <a:off x="7795595" y="2468229"/>
+            <a:ext cx="1326004" cy="369332"/>
+          </a:xfrm>
+          <a:prstGeom prst="rect">
+            <a:avLst/>
+          </a:prstGeom>
+        </p:spPr>
+        <p:txBody>
+          <a:bodyPr wrap="none">
+            <a:spAutoFit/>
+          </a:bodyPr>
+          <a:lstStyle/>
+          <a:p>
+            <a:r>
+              <a:rPr lang="en-US" altLang="zh-CN" dirty="0" err="1"/>
+              <a:t>allow_login</a:t>
+            </a:r>
+            <a:endParaRPr lang="zh-CN" altLang="en-US" dirty="0"/>
+          </a:p>
+        </p:txBody>
+      </p:sp>
+      <p:sp>
+        <p:nvSpPr>
+          <p:cNvPr id="12" name="矩形 11">
+            <a:extLst>
+              <a:ext uri="{FF2B5EF4-FFF2-40B4-BE49-F238E27FC236}">
+                <a16:creationId xmlns:a16="http://schemas.microsoft.com/office/drawing/2014/main" id="{22684CBC-FF03-423D-8760-112BC0CA8F68}"/>
+              </a:ext>
+            </a:extLst>
+          </p:cNvPr>
+          <p:cNvSpPr/>
+          <p:nvPr/>
+        </p:nvSpPr>
+        <p:spPr>
+          <a:xfrm>
+            <a:off x="7997584" y="3226066"/>
+            <a:ext cx="864339" cy="369332"/>
+          </a:xfrm>
+          <a:prstGeom prst="rect">
+            <a:avLst/>
+          </a:prstGeom>
+        </p:spPr>
+        <p:txBody>
+          <a:bodyPr wrap="none">
+            <a:spAutoFit/>
+          </a:bodyPr>
+          <a:lstStyle/>
+          <a:p>
+            <a:r>
+              <a:rPr lang="en-US" altLang="zh-CN" dirty="0" err="1"/>
+              <a:t>pwdstr</a:t>
+            </a:r>
+            <a:endParaRPr lang="zh-CN" altLang="en-US" dirty="0"/>
+          </a:p>
+        </p:txBody>
+      </p:sp>
+      <p:cxnSp>
+        <p:nvCxnSpPr>
+          <p:cNvPr id="14" name="直接箭头连接符 13">
+            <a:extLst>
+              <a:ext uri="{FF2B5EF4-FFF2-40B4-BE49-F238E27FC236}">
+                <a16:creationId xmlns:a16="http://schemas.microsoft.com/office/drawing/2014/main" id="{5AB9C311-16E5-4E1E-B427-5FB44380D9CB}"/>
+              </a:ext>
+            </a:extLst>
+          </p:cNvPr>
+          <p:cNvCxnSpPr>
+            <a:cxnSpLocks/>
+          </p:cNvCxnSpPr>
+          <p:nvPr/>
+        </p:nvCxnSpPr>
+        <p:spPr>
+          <a:xfrm flipH="1" flipV="1">
+            <a:off x="7897446" y="2992522"/>
+            <a:ext cx="396855" cy="281955"/>
+          </a:xfrm>
+          <a:prstGeom prst="straightConnector1">
+            <a:avLst/>
+          </a:prstGeom>
+          <a:ln w="19050">
+            <a:solidFill>
+              <a:schemeClr val="tx1"/>
+            </a:solidFill>
+            <a:tailEnd type="triangle"/>
+          </a:ln>
+        </p:spPr>
+        <p:style>
+          <a:lnRef idx="1">
+            <a:schemeClr val="accent1"/>
+          </a:lnRef>
+          <a:fillRef idx="0">
+            <a:schemeClr val="accent1"/>
+          </a:fillRef>
+          <a:effectRef idx="0">
+            <a:schemeClr val="accent1"/>
+          </a:effectRef>
+          <a:fontRef idx="minor">
+            <a:schemeClr val="tx1"/>
+          </a:fontRef>
+        </p:style>
+      </p:cxnSp>
+      <p:cxnSp>
+        <p:nvCxnSpPr>
+          <p:cNvPr id="16" name="直接箭头连接符 15">
+            <a:extLst>
+              <a:ext uri="{FF2B5EF4-FFF2-40B4-BE49-F238E27FC236}">
+                <a16:creationId xmlns:a16="http://schemas.microsoft.com/office/drawing/2014/main" id="{76D5D431-7BC5-44AB-ADFD-3830576CE53A}"/>
+              </a:ext>
+            </a:extLst>
+          </p:cNvPr>
+          <p:cNvCxnSpPr>
+            <a:cxnSpLocks/>
+          </p:cNvCxnSpPr>
+          <p:nvPr/>
+        </p:nvCxnSpPr>
+        <p:spPr>
+          <a:xfrm flipH="1">
+            <a:off x="7943588" y="3556432"/>
+            <a:ext cx="350716" cy="319598"/>
+          </a:xfrm>
+          <a:prstGeom prst="straightConnector1">
+            <a:avLst/>
+          </a:prstGeom>
+          <a:ln w="19050">
+            <a:solidFill>
+              <a:schemeClr val="tx1"/>
+            </a:solidFill>
+            <a:tailEnd type="triangle"/>
+          </a:ln>
+        </p:spPr>
+        <p:style>
+          <a:lnRef idx="1">
+            <a:schemeClr val="accent1"/>
+          </a:lnRef>
+          <a:fillRef idx="0">
+            <a:schemeClr val="accent1"/>
+          </a:fillRef>
+          <a:effectRef idx="0">
+            <a:schemeClr val="accent1"/>
+          </a:effectRef>
+          <a:fontRef idx="minor">
+            <a:schemeClr val="tx1"/>
+          </a:fontRef>
+        </p:style>
+      </p:cxnSp>
+      <p:sp>
+        <p:nvSpPr>
+          <p:cNvPr id="24" name="矩形 23">
+            <a:extLst>
+              <a:ext uri="{FF2B5EF4-FFF2-40B4-BE49-F238E27FC236}">
+                <a16:creationId xmlns:a16="http://schemas.microsoft.com/office/drawing/2014/main" id="{DA3DBFCB-CDD0-41E8-98D6-EED8CB2EB7BC}"/>
+              </a:ext>
+            </a:extLst>
+          </p:cNvPr>
+          <p:cNvSpPr/>
+          <p:nvPr/>
+        </p:nvSpPr>
+        <p:spPr>
+          <a:xfrm>
+            <a:off x="7902116" y="4247398"/>
+            <a:ext cx="1197764" cy="369332"/>
+          </a:xfrm>
+          <a:prstGeom prst="rect">
+            <a:avLst/>
+          </a:prstGeom>
+        </p:spPr>
+        <p:txBody>
+          <a:bodyPr wrap="none">
+            <a:spAutoFit/>
+          </a:bodyPr>
+          <a:lstStyle/>
+          <a:p>
+            <a:r>
+              <a:rPr lang="en-US" altLang="zh-CN" dirty="0" err="1"/>
+              <a:t>targetpwd</a:t>
+            </a:r>
+            <a:endParaRPr lang="zh-CN" altLang="en-US" dirty="0"/>
+          </a:p>
+        </p:txBody>
+      </p:sp>
+      <p:cxnSp>
+        <p:nvCxnSpPr>
+          <p:cNvPr id="27" name="直接箭头连接符 26">
+            <a:extLst>
+              <a:ext uri="{FF2B5EF4-FFF2-40B4-BE49-F238E27FC236}">
+                <a16:creationId xmlns:a16="http://schemas.microsoft.com/office/drawing/2014/main" id="{53A44B20-54EC-486A-8BB8-3588C1BDB03F}"/>
+              </a:ext>
+            </a:extLst>
+          </p:cNvPr>
+          <p:cNvCxnSpPr>
+            <a:cxnSpLocks/>
+          </p:cNvCxnSpPr>
+          <p:nvPr/>
+        </p:nvCxnSpPr>
+        <p:spPr>
+          <a:xfrm flipH="1" flipV="1">
+            <a:off x="7897445" y="4052819"/>
+            <a:ext cx="396856" cy="192543"/>
+          </a:xfrm>
+          <a:prstGeom prst="straightConnector1">
+            <a:avLst/>
+          </a:prstGeom>
+          <a:ln w="19050">
+            <a:solidFill>
+              <a:schemeClr val="tx1"/>
+            </a:solidFill>
+            <a:tailEnd type="triangle"/>
+          </a:ln>
+        </p:spPr>
+        <p:style>
+          <a:lnRef idx="1">
+            <a:schemeClr val="accent1"/>
+          </a:lnRef>
+          <a:fillRef idx="0">
+            <a:schemeClr val="accent1"/>
+          </a:fillRef>
+          <a:effectRef idx="0">
+            <a:schemeClr val="accent1"/>
+          </a:effectRef>
+          <a:fontRef idx="minor">
+            <a:schemeClr val="tx1"/>
+          </a:fontRef>
+        </p:style>
+      </p:cxnSp>
+      <p:cxnSp>
+        <p:nvCxnSpPr>
+          <p:cNvPr id="28" name="直接箭头连接符 27">
+            <a:extLst>
+              <a:ext uri="{FF2B5EF4-FFF2-40B4-BE49-F238E27FC236}">
+                <a16:creationId xmlns:a16="http://schemas.microsoft.com/office/drawing/2014/main" id="{FC5C5817-D2C0-49FB-9D96-113079392309}"/>
+              </a:ext>
+            </a:extLst>
+          </p:cNvPr>
+          <p:cNvCxnSpPr>
+            <a:cxnSpLocks/>
+          </p:cNvCxnSpPr>
+          <p:nvPr/>
+        </p:nvCxnSpPr>
+        <p:spPr>
+          <a:xfrm flipH="1">
+            <a:off x="7943587" y="4616730"/>
+            <a:ext cx="350716" cy="319598"/>
+          </a:xfrm>
+          <a:prstGeom prst="straightConnector1">
+            <a:avLst/>
+          </a:prstGeom>
+          <a:ln w="19050">
+            <a:solidFill>
+              <a:schemeClr val="tx1"/>
+            </a:solidFill>
+            <a:tailEnd type="triangle"/>
+          </a:ln>
+        </p:spPr>
+        <p:style>
+          <a:lnRef idx="1">
+            <a:schemeClr val="accent1"/>
+          </a:lnRef>
+          <a:fillRef idx="0">
+            <a:schemeClr val="accent1"/>
+          </a:fillRef>
+          <a:effectRef idx="0">
+            <a:schemeClr val="accent1"/>
+          </a:effectRef>
+          <a:fontRef idx="minor">
+            <a:schemeClr val="tx1"/>
+          </a:fontRef>
+        </p:style>
+      </p:cxnSp>
+      <p:sp>
+        <p:nvSpPr>
+          <p:cNvPr id="31" name="矩形 30">
+            <a:extLst>
+              <a:ext uri="{FF2B5EF4-FFF2-40B4-BE49-F238E27FC236}">
+                <a16:creationId xmlns:a16="http://schemas.microsoft.com/office/drawing/2014/main" id="{C99ECCD5-2393-4A51-AE86-EED838D1B152}"/>
+              </a:ext>
+            </a:extLst>
+          </p:cNvPr>
+          <p:cNvSpPr/>
+          <p:nvPr/>
+        </p:nvSpPr>
+        <p:spPr>
+          <a:xfrm>
+            <a:off x="5657319" y="1301401"/>
+            <a:ext cx="655949" cy="369332"/>
+          </a:xfrm>
+          <a:prstGeom prst="rect">
+            <a:avLst/>
+          </a:prstGeom>
+        </p:spPr>
+        <p:txBody>
+          <a:bodyPr wrap="none">
+            <a:spAutoFit/>
+          </a:bodyPr>
+          <a:lstStyle/>
+          <a:p>
+            <a:r>
+              <a:rPr lang="en-US" altLang="zh-CN" dirty="0" err="1"/>
+              <a:t>addr</a:t>
+            </a:r>
+            <a:endParaRPr lang="zh-CN" altLang="en-US" dirty="0"/>
+          </a:p>
+        </p:txBody>
+      </p:sp>
+      <p:sp>
+        <p:nvSpPr>
+          <p:cNvPr id="32" name="矩形 31">
+            <a:extLst>
+              <a:ext uri="{FF2B5EF4-FFF2-40B4-BE49-F238E27FC236}">
+                <a16:creationId xmlns:a16="http://schemas.microsoft.com/office/drawing/2014/main" id="{37012B91-7F80-4251-BC7D-0CD93EAF7068}"/>
+              </a:ext>
+            </a:extLst>
+          </p:cNvPr>
+          <p:cNvSpPr/>
+          <p:nvPr/>
+        </p:nvSpPr>
+        <p:spPr>
+          <a:xfrm>
+            <a:off x="5378397" y="1701228"/>
+            <a:ext cx="934871" cy="369332"/>
+          </a:xfrm>
+          <a:prstGeom prst="rect">
+            <a:avLst/>
+          </a:prstGeom>
+        </p:spPr>
+        <p:txBody>
+          <a:bodyPr wrap="none">
+            <a:spAutoFit/>
+          </a:bodyPr>
+          <a:lstStyle/>
+          <a:p>
+            <a:r>
+              <a:rPr lang="en-US" altLang="zh-CN" dirty="0"/>
+              <a:t>addr+4</a:t>
+            </a:r>
+            <a:endParaRPr lang="zh-CN" altLang="en-US" dirty="0"/>
+          </a:p>
+        </p:txBody>
+      </p:sp>
+      <p:sp>
+        <p:nvSpPr>
+          <p:cNvPr id="33" name="矩形 32">
+            <a:extLst>
+              <a:ext uri="{FF2B5EF4-FFF2-40B4-BE49-F238E27FC236}">
+                <a16:creationId xmlns:a16="http://schemas.microsoft.com/office/drawing/2014/main" id="{BCE7E7B9-2B85-4604-A148-1C34E80AB7E2}"/>
+              </a:ext>
+            </a:extLst>
+          </p:cNvPr>
+          <p:cNvSpPr/>
+          <p:nvPr/>
+        </p:nvSpPr>
+        <p:spPr>
+          <a:xfrm>
+            <a:off x="5378397" y="2096951"/>
+            <a:ext cx="934871" cy="369332"/>
+          </a:xfrm>
+          <a:prstGeom prst="rect">
+            <a:avLst/>
+          </a:prstGeom>
+        </p:spPr>
+        <p:txBody>
+          <a:bodyPr wrap="none">
+            <a:spAutoFit/>
+          </a:bodyPr>
+          <a:lstStyle/>
+          <a:p>
+            <a:r>
+              <a:rPr lang="en-US" altLang="zh-CN" dirty="0"/>
+              <a:t>addr+8</a:t>
+            </a:r>
+            <a:endParaRPr lang="zh-CN" altLang="en-US" dirty="0"/>
+          </a:p>
+        </p:txBody>
+      </p:sp>
+      <p:sp>
+        <p:nvSpPr>
+          <p:cNvPr id="34" name="矩形 33">
+            <a:extLst>
+              <a:ext uri="{FF2B5EF4-FFF2-40B4-BE49-F238E27FC236}">
+                <a16:creationId xmlns:a16="http://schemas.microsoft.com/office/drawing/2014/main" id="{0E4A09F2-D3E9-4CEF-9728-DDFA56444A30}"/>
+              </a:ext>
+            </a:extLst>
+          </p:cNvPr>
+          <p:cNvSpPr/>
+          <p:nvPr/>
+        </p:nvSpPr>
+        <p:spPr>
+          <a:xfrm>
+            <a:off x="755576" y="5369631"/>
+            <a:ext cx="7673526" cy="1408532"/>
+          </a:xfrm>
+          <a:prstGeom prst="rect">
+            <a:avLst/>
+          </a:prstGeom>
+        </p:spPr>
+        <p:style>
+          <a:lnRef idx="2">
+            <a:schemeClr val="accent1">
+              <a:shade val="50000"/>
+            </a:schemeClr>
+          </a:lnRef>
+          <a:fillRef idx="1">
+            <a:schemeClr val="accent1"/>
+          </a:fillRef>
+          <a:effectRef idx="0">
+            <a:schemeClr val="accent1"/>
+          </a:effectRef>
+          <a:fontRef idx="minor">
+            <a:schemeClr val="lt1"/>
+          </a:fontRef>
+        </p:style>
+        <p:txBody>
+          <a:bodyPr rtlCol="0" anchor="ctr"/>
+          <a:lstStyle/>
+          <a:p>
+            <a:pPr algn="just"/>
+            <a:r>
+              <a:rPr lang="en-US" altLang="zh-CN" dirty="0">
+                <a:solidFill>
+                  <a:schemeClr val="tx1">
+                    <a:lumMod val="50000"/>
+                    <a:lumOff val="50000"/>
+                  </a:schemeClr>
+                </a:solidFill>
+                <a:latin typeface="+mj-lt"/>
+              </a:rPr>
+              <a:t>An input larger than 12 Bytes will cause stack overflow in gets(</a:t>
+            </a:r>
+            <a:r>
+              <a:rPr lang="en-US" altLang="zh-CN" dirty="0" err="1">
+                <a:solidFill>
+                  <a:schemeClr val="tx1">
+                    <a:lumMod val="50000"/>
+                    <a:lumOff val="50000"/>
+                  </a:schemeClr>
+                </a:solidFill>
+                <a:latin typeface="+mj-lt"/>
+              </a:rPr>
+              <a:t>pwdstr</a:t>
+            </a:r>
+            <a:r>
+              <a:rPr lang="en-US" altLang="zh-CN" dirty="0">
+                <a:solidFill>
+                  <a:schemeClr val="tx1">
+                    <a:lumMod val="50000"/>
+                    <a:lumOff val="50000"/>
+                  </a:schemeClr>
+                </a:solidFill>
+                <a:latin typeface="+mj-lt"/>
+              </a:rPr>
+              <a:t>) and overwrite </a:t>
+            </a:r>
+            <a:r>
+              <a:rPr lang="en-US" altLang="zh-CN" dirty="0" err="1">
+                <a:solidFill>
+                  <a:schemeClr val="tx1">
+                    <a:lumMod val="50000"/>
+                    <a:lumOff val="50000"/>
+                  </a:schemeClr>
+                </a:solidFill>
+                <a:latin typeface="+mj-lt"/>
+              </a:rPr>
+              <a:t>allow_login</a:t>
+            </a:r>
+            <a:r>
+              <a:rPr lang="en-US" altLang="zh-CN" dirty="0">
+                <a:solidFill>
+                  <a:schemeClr val="tx1">
+                    <a:lumMod val="50000"/>
+                    <a:lumOff val="50000"/>
+                  </a:schemeClr>
+                </a:solidFill>
+                <a:latin typeface="+mj-lt"/>
+              </a:rPr>
+              <a:t> and/or return address. </a:t>
+            </a:r>
+          </a:p>
+          <a:p>
+            <a:pPr algn="just"/>
+            <a:r>
+              <a:rPr lang="en-US" altLang="zh-CN" dirty="0">
+                <a:solidFill>
+                  <a:schemeClr val="tx1">
+                    <a:lumMod val="50000"/>
+                    <a:lumOff val="50000"/>
+                  </a:schemeClr>
+                </a:solidFill>
+                <a:latin typeface="+mj-lt"/>
+              </a:rPr>
+              <a:t>If </a:t>
+            </a:r>
+            <a:r>
+              <a:rPr lang="en-US" altLang="zh-CN" dirty="0" err="1">
+                <a:solidFill>
+                  <a:schemeClr val="tx1">
+                    <a:lumMod val="50000"/>
+                    <a:lumOff val="50000"/>
+                  </a:schemeClr>
+                </a:solidFill>
+                <a:latin typeface="+mj-lt"/>
+              </a:rPr>
+              <a:t>allow_login</a:t>
+            </a:r>
+            <a:r>
+              <a:rPr lang="en-US" altLang="zh-CN" dirty="0">
+                <a:solidFill>
+                  <a:schemeClr val="tx1">
+                    <a:lumMod val="50000"/>
+                    <a:lumOff val="50000"/>
+                  </a:schemeClr>
+                </a:solidFill>
+                <a:latin typeface="+mj-lt"/>
+              </a:rPr>
+              <a:t> is overwritten to be 1, then login is successful.</a:t>
+            </a:r>
+          </a:p>
+          <a:p>
+            <a:pPr algn="just"/>
+            <a:r>
+              <a:rPr lang="en-US" altLang="zh-CN" dirty="0">
+                <a:solidFill>
+                  <a:schemeClr val="tx1">
+                    <a:lumMod val="50000"/>
+                    <a:lumOff val="50000"/>
+                  </a:schemeClr>
+                </a:solidFill>
+                <a:latin typeface="+mj-lt"/>
+              </a:rPr>
+              <a:t>If return address is overwritten to point to malicious code, then control flow jumps to it after main() finishes</a:t>
+            </a:r>
+            <a:endParaRPr lang="zh-CN" altLang="en-US" dirty="0">
+              <a:solidFill>
+                <a:schemeClr val="tx1">
+                  <a:lumMod val="50000"/>
+                  <a:lumOff val="50000"/>
+                </a:schemeClr>
+              </a:solidFill>
+              <a:latin typeface="+mj-lt"/>
+            </a:endParaRPr>
+          </a:p>
+        </p:txBody>
+      </p:sp>
+      <p:sp>
+        <p:nvSpPr>
+          <p:cNvPr id="37" name="文本框 36">
+            <a:extLst>
+              <a:ext uri="{FF2B5EF4-FFF2-40B4-BE49-F238E27FC236}">
+                <a16:creationId xmlns:a16="http://schemas.microsoft.com/office/drawing/2014/main" id="{2A602E18-C35A-4E74-90E4-D673B2FC0585}"/>
+              </a:ext>
+            </a:extLst>
+          </p:cNvPr>
+          <p:cNvSpPr txBox="1"/>
+          <p:nvPr/>
+        </p:nvSpPr>
+        <p:spPr>
+          <a:xfrm>
+            <a:off x="5729631" y="404664"/>
+            <a:ext cx="2649602" cy="923330"/>
+          </a:xfrm>
+          <a:prstGeom prst="rect">
+            <a:avLst/>
+          </a:prstGeom>
+          <a:noFill/>
+        </p:spPr>
+        <p:txBody>
+          <a:bodyPr wrap="square" rtlCol="0">
+            <a:spAutoFit/>
+          </a:bodyPr>
+          <a:lstStyle/>
+          <a:p>
+            <a:r>
+              <a:rPr lang="en-US" altLang="zh-CN" dirty="0"/>
+              <a:t>System stack (assuming a 32-bit CPU, so each word is 4 Bytes)</a:t>
+            </a:r>
+            <a:endParaRPr lang="zh-CN" altLang="en-US" dirty="0"/>
+          </a:p>
+        </p:txBody>
+      </p:sp>
+      <p:sp>
+        <p:nvSpPr>
+          <p:cNvPr id="38" name="箭头: 上下 37">
+            <a:extLst>
+              <a:ext uri="{FF2B5EF4-FFF2-40B4-BE49-F238E27FC236}">
+                <a16:creationId xmlns:a16="http://schemas.microsoft.com/office/drawing/2014/main" id="{3827E2D8-3A05-437D-8F5C-833A8615CB6D}"/>
+              </a:ext>
+            </a:extLst>
+          </p:cNvPr>
+          <p:cNvSpPr/>
+          <p:nvPr/>
+        </p:nvSpPr>
+        <p:spPr>
+          <a:xfrm>
+            <a:off x="6969216" y="2452251"/>
+            <a:ext cx="362095" cy="1465625"/>
+          </a:xfrm>
+          <a:prstGeom prst="upDownArrow">
+            <a:avLst/>
+          </a:prstGeom>
+        </p:spPr>
+        <p:style>
+          <a:lnRef idx="2">
+            <a:schemeClr val="accent1">
+              <a:shade val="50000"/>
+            </a:schemeClr>
+          </a:lnRef>
+          <a:fillRef idx="1">
+            <a:schemeClr val="accent1"/>
+          </a:fillRef>
+          <a:effectRef idx="0">
+            <a:schemeClr val="accent1"/>
+          </a:effectRef>
+          <a:fontRef idx="minor">
+            <a:schemeClr val="lt1"/>
+          </a:fontRef>
+        </p:style>
+        <p:txBody>
+          <a:bodyPr rtlCol="0" anchor="ctr"/>
+          <a:lstStyle/>
+          <a:p>
+            <a:pPr algn="ctr"/>
+            <a:endParaRPr lang="zh-CN" altLang="en-US"/>
+          </a:p>
+        </p:txBody>
+      </p:sp>
+      <p:sp>
+        <p:nvSpPr>
+          <p:cNvPr id="22" name="箭头: 上下 21">
+            <a:extLst>
+              <a:ext uri="{FF2B5EF4-FFF2-40B4-BE49-F238E27FC236}">
+                <a16:creationId xmlns:a16="http://schemas.microsoft.com/office/drawing/2014/main" id="{FC192E98-7C4D-48C4-BD14-A6E96BA09E64}"/>
+              </a:ext>
+            </a:extLst>
+          </p:cNvPr>
+          <p:cNvSpPr/>
+          <p:nvPr/>
+        </p:nvSpPr>
+        <p:spPr>
+          <a:xfrm>
+            <a:off x="6568784" y="2070561"/>
+            <a:ext cx="362095" cy="1847316"/>
+          </a:xfrm>
+          <a:prstGeom prst="upDownArrow">
+            <a:avLst/>
+          </a:prstGeom>
+        </p:spPr>
+        <p:style>
+          <a:lnRef idx="2">
+            <a:schemeClr val="accent1">
+              <a:shade val="50000"/>
+            </a:schemeClr>
+          </a:lnRef>
+          <a:fillRef idx="1">
+            <a:schemeClr val="accent1"/>
+          </a:fillRef>
+          <a:effectRef idx="0">
+            <a:schemeClr val="accent1"/>
+          </a:effectRef>
+          <a:fontRef idx="minor">
+            <a:schemeClr val="lt1"/>
+          </a:fontRef>
+        </p:style>
+        <p:txBody>
+          <a:bodyPr rtlCol="0" anchor="ctr"/>
+          <a:lstStyle/>
+          <a:p>
+            <a:pPr algn="ctr"/>
+            <a:endParaRPr lang="zh-CN" altLang="en-US"/>
+          </a:p>
+        </p:txBody>
+      </p:sp>
+    </p:spTree>
+    <p:extLst>
+      <p:ext uri="{BB962C8B-B14F-4D97-AF65-F5344CB8AC3E}">
+        <p14:creationId xmlns:p14="http://schemas.microsoft.com/office/powerpoint/2010/main" val="2200076346"/>
+      </p:ext>
+    </p:extLst>
+  </p:cSld>
+  <p:clrMapOvr>
+    <a:masterClrMapping/>
+  </p:clrMapOvr>
+  <p:transition spd="slow"/>
+</p:sld>
+</file>
+
+<file path=ppt/slides/slide28.xml><?xml version="1.0" encoding="utf-8"?>
+<p:sld xmlns:a="http://schemas.openxmlformats.org/drawingml/2006/main" xmlns:r="http://schemas.openxmlformats.org/officeDocument/2006/relationships" xmlns:p="http://schemas.openxmlformats.org/presentationml/2006/main">
+  <p:cSld>
+    <p:spTree>
+      <p:nvGrpSpPr>
+        <p:cNvPr id="1" name=""/>
+        <p:cNvGrpSpPr/>
+        <p:nvPr/>
+      </p:nvGrpSpPr>
+      <p:grpSpPr>
+        <a:xfrm>
+          <a:off x="0" y="0"/>
+          <a:ext cx="0" cy="0"/>
+          <a:chOff x="0" y="0"/>
+          <a:chExt cx="0" cy="0"/>
+        </a:xfrm>
+      </p:grpSpPr>
+      <p:sp>
+        <p:nvSpPr>
+          <p:cNvPr id="2" name="Title 1">
+            <a:extLst>
+              <a:ext uri="{FF2B5EF4-FFF2-40B4-BE49-F238E27FC236}">
+                <a16:creationId xmlns:a16="http://schemas.microsoft.com/office/drawing/2014/main" id="{88BCCF59-7B3A-4EA2-891C-9A6CBEB70736}"/>
+              </a:ext>
+            </a:extLst>
+          </p:cNvPr>
+          <p:cNvSpPr>
+            <a:spLocks noGrp="1"/>
+          </p:cNvSpPr>
+          <p:nvPr>
+            <p:ph type="title"/>
+          </p:nvPr>
+        </p:nvSpPr>
+        <p:spPr/>
+        <p:txBody>
+          <a:bodyPr/>
+          <a:lstStyle/>
+          <a:p>
+            <a:endParaRPr lang="en-SE"/>
+          </a:p>
+        </p:txBody>
+      </p:sp>
+      <p:sp>
+        <p:nvSpPr>
+          <p:cNvPr id="3" name="Content Placeholder 2">
+            <a:extLst>
+              <a:ext uri="{FF2B5EF4-FFF2-40B4-BE49-F238E27FC236}">
+                <a16:creationId xmlns:a16="http://schemas.microsoft.com/office/drawing/2014/main" id="{01F68629-E500-4E13-AED8-7764D0EF4C4D}"/>
+              </a:ext>
+            </a:extLst>
+          </p:cNvPr>
+          <p:cNvSpPr>
+            <a:spLocks noGrp="1"/>
+          </p:cNvSpPr>
+          <p:nvPr>
+            <p:ph idx="1"/>
+          </p:nvPr>
+        </p:nvSpPr>
+        <p:spPr/>
+        <p:txBody>
+          <a:bodyPr/>
+          <a:lstStyle/>
+          <a:p>
+            <a:pPr fontAlgn="t"/>
+            <a:r>
+              <a:rPr lang="en-US" dirty="0"/>
+              <a:t>return </a:t>
+            </a:r>
+            <a:r>
+              <a:rPr lang="en-US" dirty="0" err="1"/>
+              <a:t>addr</a:t>
+            </a:r>
+            <a:r>
+              <a:rPr lang="en-US" dirty="0"/>
+              <a:t>.</a:t>
+            </a:r>
+            <a:endParaRPr lang="en-SE" dirty="0"/>
+          </a:p>
+          <a:p>
+            <a:pPr fontAlgn="t"/>
+            <a:r>
+              <a:rPr lang="en-US" dirty="0"/>
+              <a:t>canary</a:t>
+            </a:r>
+            <a:endParaRPr lang="en-SE" dirty="0"/>
+          </a:p>
+          <a:p>
+            <a:pPr fontAlgn="t"/>
+            <a:r>
+              <a:rPr lang="en-US" dirty="0"/>
+              <a:t>local vars</a:t>
+            </a:r>
+            <a:endParaRPr lang="en-SE" dirty="0"/>
+          </a:p>
+          <a:p>
+            <a:endParaRPr lang="en-SE" dirty="0"/>
+          </a:p>
+        </p:txBody>
+      </p:sp>
+      <p:sp>
+        <p:nvSpPr>
+          <p:cNvPr id="4" name="Slide Number Placeholder 3">
+            <a:extLst>
+              <a:ext uri="{FF2B5EF4-FFF2-40B4-BE49-F238E27FC236}">
+                <a16:creationId xmlns:a16="http://schemas.microsoft.com/office/drawing/2014/main" id="{39CC6222-A9A8-430F-92F0-B26346272A54}"/>
+              </a:ext>
+            </a:extLst>
+          </p:cNvPr>
+          <p:cNvSpPr>
+            <a:spLocks noGrp="1"/>
+          </p:cNvSpPr>
+          <p:nvPr>
+            <p:ph type="sldNum" sz="quarter" idx="12"/>
+          </p:nvPr>
+        </p:nvSpPr>
+        <p:spPr/>
+        <p:txBody>
+          <a:bodyPr/>
+          <a:lstStyle/>
+          <a:p>
+            <a:fld id="{5F36C9FC-DA22-1F47-8722-58727A1D436E}" type="slidenum">
+              <a:rPr lang="en-US" smtClean="0">
+                <a:solidFill>
+                  <a:prstClr val="white">
+                    <a:lumMod val="65000"/>
+                    <a:lumOff val="35000"/>
+                  </a:prstClr>
+                </a:solidFill>
+              </a:rPr>
+              <a:pPr/>
+              <a:t>28</a:t>
+            </a:fld>
+            <a:endParaRPr lang="en-US" dirty="0">
+              <a:solidFill>
+                <a:prstClr val="white">
+                  <a:lumMod val="65000"/>
+                  <a:lumOff val="35000"/>
+                </a:prstClr>
+              </a:solidFill>
+            </a:endParaRPr>
+          </a:p>
+        </p:txBody>
+      </p:sp>
+      <p:sp>
+        <p:nvSpPr>
+          <p:cNvPr id="5" name="矩形 2">
+            <a:extLst>
+              <a:ext uri="{FF2B5EF4-FFF2-40B4-BE49-F238E27FC236}">
+                <a16:creationId xmlns:a16="http://schemas.microsoft.com/office/drawing/2014/main" id="{138DEF00-DCD8-4ADE-97EF-DFBEA579BE80}"/>
+              </a:ext>
+            </a:extLst>
+          </p:cNvPr>
+          <p:cNvSpPr/>
+          <p:nvPr/>
+        </p:nvSpPr>
+        <p:spPr>
+          <a:xfrm>
+            <a:off x="7065289" y="3405336"/>
+            <a:ext cx="1940964" cy="2417564"/>
+          </a:xfrm>
+          <a:prstGeom prst="rect">
+            <a:avLst/>
+          </a:prstGeom>
+          <a:solidFill>
+            <a:sysClr val="window" lastClr="FFFFFF"/>
+          </a:solidFill>
+          <a:ln w="28575" cap="flat" cmpd="sng" algn="ctr">
+            <a:solidFill>
+              <a:sysClr val="windowText" lastClr="000000"/>
+            </a:solidFill>
+            <a:prstDash val="solid"/>
+          </a:ln>
+          <a:effectLst/>
+        </p:spPr>
+        <p:txBody>
+          <a:bodyPr rtlCol="0" anchor="ctr"/>
+          <a:lstStyle/>
+          <a:p>
+            <a:pPr marL="0" marR="0" lvl="0" indent="0" algn="ctr" defTabSz="914400" eaLnBrk="1" fontAlgn="auto" latinLnBrk="0" hangingPunct="1">
+              <a:lnSpc>
+                <a:spcPct val="100000"/>
+              </a:lnSpc>
+              <a:spcBef>
+                <a:spcPts val="0"/>
+              </a:spcBef>
+              <a:spcAft>
+                <a:spcPts val="0"/>
+              </a:spcAft>
+              <a:buClrTx/>
+              <a:buSzTx/>
+              <a:buFontTx/>
+              <a:buNone/>
+              <a:tabLst/>
+              <a:defRPr/>
+            </a:pPr>
+            <a:endParaRPr kumimoji="0" lang="zh-CN" altLang="en-US" sz="1800" b="0" i="0" u="none" strike="noStrike" kern="0" cap="none" spc="0" normalizeH="0" baseline="0" noProof="0">
+              <a:ln>
+                <a:noFill/>
+              </a:ln>
+              <a:solidFill>
+                <a:prstClr val="black"/>
+              </a:solidFill>
+              <a:effectLst/>
+              <a:uLnTx/>
+              <a:uFillTx/>
+              <a:latin typeface="Palatino Linotype"/>
+              <a:ea typeface="宋体" panose="02010600030101010101" pitchFamily="2" charset="-122"/>
+              <a:cs typeface="+mn-cs"/>
+            </a:endParaRPr>
+          </a:p>
+        </p:txBody>
+      </p:sp>
+      <p:sp>
+        <p:nvSpPr>
+          <p:cNvPr id="6" name="矩形 4">
+            <a:extLst>
+              <a:ext uri="{FF2B5EF4-FFF2-40B4-BE49-F238E27FC236}">
+                <a16:creationId xmlns:a16="http://schemas.microsoft.com/office/drawing/2014/main" id="{B0DB870B-91D1-4BBB-A55F-2A08A7A07ECF}"/>
+              </a:ext>
+            </a:extLst>
+          </p:cNvPr>
+          <p:cNvSpPr/>
+          <p:nvPr/>
+        </p:nvSpPr>
+        <p:spPr>
+          <a:xfrm>
+            <a:off x="7065289" y="3429000"/>
+            <a:ext cx="1940965" cy="836712"/>
+          </a:xfrm>
+          <a:prstGeom prst="rect">
+            <a:avLst/>
+          </a:prstGeom>
+          <a:solidFill>
+            <a:srgbClr val="D16349"/>
+          </a:solidFill>
+          <a:ln w="28575" cap="flat" cmpd="sng" algn="ctr">
+            <a:solidFill>
+              <a:srgbClr val="D16349">
+                <a:shade val="50000"/>
+              </a:srgbClr>
+            </a:solidFill>
+            <a:prstDash val="solid"/>
+          </a:ln>
+          <a:effectLst/>
+        </p:spPr>
+        <p:txBody>
+          <a:bodyPr rtlCol="0" anchor="ctr"/>
+          <a:lstStyle/>
+          <a:p>
+            <a:pPr marL="0" marR="0" lvl="0" indent="0" algn="ctr" defTabSz="914400" eaLnBrk="1" fontAlgn="auto" latinLnBrk="0" hangingPunct="1">
+              <a:lnSpc>
+                <a:spcPct val="100000"/>
+              </a:lnSpc>
+              <a:spcBef>
+                <a:spcPts val="0"/>
+              </a:spcBef>
+              <a:spcAft>
+                <a:spcPts val="0"/>
+              </a:spcAft>
+              <a:buClrTx/>
+              <a:buSzTx/>
+              <a:buFontTx/>
+              <a:buNone/>
+              <a:tabLst/>
+              <a:defRPr/>
+            </a:pPr>
+            <a:r>
+              <a:rPr kumimoji="0" lang="en-US" altLang="zh-CN" sz="1800" b="0" i="0" u="none" strike="noStrike" kern="0" cap="none" spc="0" normalizeH="0" baseline="0" noProof="0" dirty="0">
+                <a:ln>
+                  <a:noFill/>
+                </a:ln>
+                <a:solidFill>
+                  <a:prstClr val="white"/>
+                </a:solidFill>
+                <a:effectLst/>
+                <a:uLnTx/>
+                <a:uFillTx/>
+                <a:latin typeface="Palatino Linotype"/>
+                <a:ea typeface="宋体" panose="02010600030101010101" pitchFamily="2" charset="-122"/>
+                <a:cs typeface="+mn-cs"/>
+              </a:rPr>
+              <a:t>Stack grows downward</a:t>
+            </a:r>
+            <a:endParaRPr kumimoji="0" lang="zh-CN" altLang="en-US" sz="1800" b="0" i="0" u="none" strike="noStrike" kern="0" cap="none" spc="0" normalizeH="0" baseline="0" noProof="0" dirty="0">
+              <a:ln>
+                <a:noFill/>
+              </a:ln>
+              <a:solidFill>
+                <a:prstClr val="white"/>
+              </a:solidFill>
+              <a:effectLst/>
+              <a:uLnTx/>
+              <a:uFillTx/>
+              <a:latin typeface="Palatino Linotype"/>
+              <a:ea typeface="宋体" panose="02010600030101010101" pitchFamily="2" charset="-122"/>
+              <a:cs typeface="+mn-cs"/>
+            </a:endParaRPr>
+          </a:p>
+        </p:txBody>
+      </p:sp>
+      <p:sp>
+        <p:nvSpPr>
+          <p:cNvPr id="7" name="矩形 7">
+            <a:extLst>
+              <a:ext uri="{FF2B5EF4-FFF2-40B4-BE49-F238E27FC236}">
+                <a16:creationId xmlns:a16="http://schemas.microsoft.com/office/drawing/2014/main" id="{439D3F32-D174-4002-98AA-9FF295961C26}"/>
+              </a:ext>
+            </a:extLst>
+          </p:cNvPr>
+          <p:cNvSpPr/>
+          <p:nvPr/>
+        </p:nvSpPr>
+        <p:spPr>
+          <a:xfrm>
+            <a:off x="7065288" y="4986188"/>
+            <a:ext cx="1940965" cy="836712"/>
+          </a:xfrm>
+          <a:prstGeom prst="rect">
+            <a:avLst/>
+          </a:prstGeom>
+          <a:solidFill>
+            <a:srgbClr val="D16349"/>
+          </a:solidFill>
+          <a:ln w="28575" cap="flat" cmpd="sng" algn="ctr">
+            <a:solidFill>
+              <a:srgbClr val="D16349">
+                <a:shade val="50000"/>
+              </a:srgbClr>
+            </a:solidFill>
+            <a:prstDash val="solid"/>
+          </a:ln>
+          <a:effectLst/>
+        </p:spPr>
+        <p:txBody>
+          <a:bodyPr rtlCol="0" anchor="ctr"/>
+          <a:lstStyle/>
+          <a:p>
+            <a:pPr marL="0" marR="0" lvl="0" indent="0" algn="ctr" defTabSz="914400" eaLnBrk="1" fontAlgn="auto" latinLnBrk="0" hangingPunct="1">
+              <a:lnSpc>
+                <a:spcPct val="100000"/>
+              </a:lnSpc>
+              <a:spcBef>
+                <a:spcPts val="0"/>
+              </a:spcBef>
+              <a:spcAft>
+                <a:spcPts val="0"/>
+              </a:spcAft>
+              <a:buClrTx/>
+              <a:buSzTx/>
+              <a:buFontTx/>
+              <a:buNone/>
+              <a:tabLst/>
+              <a:defRPr/>
+            </a:pPr>
+            <a:r>
+              <a:rPr kumimoji="0" lang="en-US" altLang="zh-CN" sz="1800" b="0" i="0" u="none" strike="noStrike" kern="0" cap="none" spc="0" normalizeH="0" baseline="0" noProof="0" dirty="0">
+                <a:ln>
+                  <a:noFill/>
+                </a:ln>
+                <a:solidFill>
+                  <a:prstClr val="white"/>
+                </a:solidFill>
+                <a:effectLst/>
+                <a:uLnTx/>
+                <a:uFillTx/>
+                <a:latin typeface="Palatino Linotype"/>
+                <a:ea typeface="宋体" panose="02010600030101010101" pitchFamily="2" charset="-122"/>
+                <a:cs typeface="+mn-cs"/>
+              </a:rPr>
+              <a:t>Heap grows upward</a:t>
+            </a:r>
+            <a:endParaRPr kumimoji="0" lang="zh-CN" altLang="en-US" sz="1800" b="0" i="0" u="none" strike="noStrike" kern="0" cap="none" spc="0" normalizeH="0" baseline="0" noProof="0" dirty="0">
+              <a:ln>
+                <a:noFill/>
+              </a:ln>
+              <a:solidFill>
+                <a:prstClr val="white"/>
+              </a:solidFill>
+              <a:effectLst/>
+              <a:uLnTx/>
+              <a:uFillTx/>
+              <a:latin typeface="Palatino Linotype"/>
+              <a:ea typeface="宋体" panose="02010600030101010101" pitchFamily="2" charset="-122"/>
+              <a:cs typeface="+mn-cs"/>
+            </a:endParaRPr>
+          </a:p>
+        </p:txBody>
+      </p:sp>
+      <p:sp>
+        <p:nvSpPr>
+          <p:cNvPr id="8" name="箭头: 下 5">
+            <a:extLst>
+              <a:ext uri="{FF2B5EF4-FFF2-40B4-BE49-F238E27FC236}">
+                <a16:creationId xmlns:a16="http://schemas.microsoft.com/office/drawing/2014/main" id="{13D37849-B322-42DC-9588-B9DA491B7C44}"/>
+              </a:ext>
+            </a:extLst>
+          </p:cNvPr>
+          <p:cNvSpPr/>
+          <p:nvPr/>
+        </p:nvSpPr>
+        <p:spPr>
+          <a:xfrm>
+            <a:off x="7137297" y="3420857"/>
+            <a:ext cx="226326" cy="836712"/>
+          </a:xfrm>
+          <a:prstGeom prst="downArrow">
+            <a:avLst/>
+          </a:prstGeom>
+          <a:solidFill>
+            <a:sysClr val="window" lastClr="FFFFFF"/>
+          </a:solidFill>
+          <a:ln w="28575" cap="flat" cmpd="sng" algn="ctr">
+            <a:solidFill>
+              <a:srgbClr val="D16349">
+                <a:shade val="50000"/>
+              </a:srgbClr>
+            </a:solidFill>
+            <a:prstDash val="solid"/>
+          </a:ln>
+          <a:effectLst/>
+        </p:spPr>
+        <p:txBody>
+          <a:bodyPr rtlCol="0" anchor="ctr"/>
+          <a:lstStyle/>
+          <a:p>
+            <a:pPr marL="0" marR="0" lvl="0" indent="0" algn="ctr" defTabSz="914400" eaLnBrk="1" fontAlgn="auto" latinLnBrk="0" hangingPunct="1">
+              <a:lnSpc>
+                <a:spcPct val="100000"/>
+              </a:lnSpc>
+              <a:spcBef>
+                <a:spcPts val="0"/>
+              </a:spcBef>
+              <a:spcAft>
+                <a:spcPts val="0"/>
+              </a:spcAft>
+              <a:buClrTx/>
+              <a:buSzTx/>
+              <a:buFontTx/>
+              <a:buNone/>
+              <a:tabLst/>
+              <a:defRPr/>
+            </a:pPr>
+            <a:endParaRPr kumimoji="0" lang="zh-CN" altLang="en-US" sz="1800" b="0" i="0" u="none" strike="noStrike" kern="0" cap="none" spc="0" normalizeH="0" baseline="0" noProof="0">
+              <a:ln>
+                <a:noFill/>
+              </a:ln>
+              <a:solidFill>
+                <a:prstClr val="white"/>
+              </a:solidFill>
+              <a:effectLst/>
+              <a:uLnTx/>
+              <a:uFillTx/>
+              <a:latin typeface="Palatino Linotype"/>
+              <a:ea typeface="宋体" panose="02010600030101010101" pitchFamily="2" charset="-122"/>
+              <a:cs typeface="+mn-cs"/>
+            </a:endParaRPr>
+          </a:p>
+        </p:txBody>
+      </p:sp>
+      <p:sp>
+        <p:nvSpPr>
+          <p:cNvPr id="9" name="箭头: 下 9">
+            <a:extLst>
+              <a:ext uri="{FF2B5EF4-FFF2-40B4-BE49-F238E27FC236}">
+                <a16:creationId xmlns:a16="http://schemas.microsoft.com/office/drawing/2014/main" id="{F3D45034-ED50-4B78-B5D0-D5266EA5D466}"/>
+              </a:ext>
+            </a:extLst>
+          </p:cNvPr>
+          <p:cNvSpPr/>
+          <p:nvPr/>
+        </p:nvSpPr>
+        <p:spPr>
+          <a:xfrm flipV="1">
+            <a:off x="7137297" y="5006622"/>
+            <a:ext cx="226326" cy="798979"/>
+          </a:xfrm>
+          <a:prstGeom prst="downArrow">
+            <a:avLst/>
+          </a:prstGeom>
+          <a:solidFill>
+            <a:sysClr val="window" lastClr="FFFFFF"/>
+          </a:solidFill>
+          <a:ln w="28575" cap="flat" cmpd="sng" algn="ctr">
+            <a:solidFill>
+              <a:srgbClr val="D16349">
+                <a:shade val="50000"/>
+              </a:srgbClr>
+            </a:solidFill>
+            <a:prstDash val="solid"/>
+          </a:ln>
+          <a:effectLst/>
+        </p:spPr>
+        <p:txBody>
+          <a:bodyPr rtlCol="0" anchor="ctr"/>
+          <a:lstStyle/>
+          <a:p>
+            <a:pPr marL="0" marR="0" lvl="0" indent="0" algn="ctr" defTabSz="914400" eaLnBrk="1" fontAlgn="auto" latinLnBrk="0" hangingPunct="1">
+              <a:lnSpc>
+                <a:spcPct val="100000"/>
+              </a:lnSpc>
+              <a:spcBef>
+                <a:spcPts val="0"/>
+              </a:spcBef>
+              <a:spcAft>
+                <a:spcPts val="0"/>
+              </a:spcAft>
+              <a:buClrTx/>
+              <a:buSzTx/>
+              <a:buFontTx/>
+              <a:buNone/>
+              <a:tabLst/>
+              <a:defRPr/>
+            </a:pPr>
+            <a:endParaRPr kumimoji="0" lang="zh-CN" altLang="en-US" sz="1800" b="0" i="0" u="none" strike="noStrike" kern="0" cap="none" spc="0" normalizeH="0" baseline="0" noProof="0">
+              <a:ln>
+                <a:noFill/>
+              </a:ln>
+              <a:solidFill>
+                <a:prstClr val="white"/>
+              </a:solidFill>
+              <a:effectLst/>
+              <a:uLnTx/>
+              <a:uFillTx/>
+              <a:latin typeface="Palatino Linotype"/>
+              <a:ea typeface="宋体" panose="02010600030101010101" pitchFamily="2" charset="-122"/>
+              <a:cs typeface="+mn-cs"/>
+            </a:endParaRPr>
+          </a:p>
+        </p:txBody>
+      </p:sp>
+    </p:spTree>
+    <p:extLst>
+      <p:ext uri="{BB962C8B-B14F-4D97-AF65-F5344CB8AC3E}">
+        <p14:creationId xmlns:p14="http://schemas.microsoft.com/office/powerpoint/2010/main" val="1386135281"/>
       </p:ext>
     </p:extLst>
   </p:cSld>
